--- a/ave.pptx
+++ b/ave.pptx
@@ -8,7 +8,6 @@
   </p:sldMasterIdLst>
   <p:sldIdLst>
     <p:sldId id="256" r:id="rId4"/>
-    <p:sldId id="257" r:id="rId5"/>
   </p:sldIdLst>
   <p:sldSz cx="12192000" cy="6858000"/>
   <p:notesSz cx="6858000" cy="9144000"/>
@@ -3853,7 +3852,7 @@
         <p:spPr>
           <a:xfrm>
             <a:off x="519248" y="1447799"/>
-            <a:ext cx="11151917" cy="4846320"/>
+            <a:ext cx="11151917" cy="780214"/>
           </a:xfrm>
         </p:spPr>
         <p:txBody>
@@ -3867,7 +3866,10 @@
                 <a:spcPts val="900"/>
               </a:spcAft>
               <a:buNone/>
-              <a:defRPr sz="4000" spc="-100" baseline="0">
+              <a:defRPr sz="2800" spc="-100" baseline="0">
+                <a:solidFill>
+                  <a:schemeClr val="tx1"/>
+                </a:solidFill>
                 <a:latin typeface="Segoe UI" panose="020B0502040204020203" pitchFamily="34" charset="0"/>
                 <a:cs typeface="Segoe UI" panose="020B0502040204020203" pitchFamily="34" charset="0"/>
               </a:defRPr>
@@ -3920,14 +3922,14 @@
           <a:p>
             <a:pPr lvl="0"/>
             <a:r>
-              <a:rPr lang="en-US" altLang="zh-CN"/>
+              <a:rPr lang="en-US" altLang="zh-CN" dirty="0"/>
               <a:t>Edit Master text styles</a:t>
             </a:r>
           </a:p>
           <a:p>
             <a:pPr lvl="1"/>
             <a:r>
-              <a:rPr lang="en-US" altLang="zh-CN"/>
+              <a:rPr lang="en-US" altLang="zh-CN" dirty="0"/>
               <a:t>Second level</a:t>
             </a:r>
           </a:p>
@@ -4007,14 +4009,18 @@
         <p:spPr>
           <a:xfrm>
             <a:off x="519248" y="1447799"/>
-            <a:ext cx="11151917" cy="4846319"/>
+            <a:ext cx="11151917" cy="1538883"/>
           </a:xfrm>
         </p:spPr>
         <p:txBody>
           <a:bodyPr/>
           <a:lstStyle>
             <a:lvl1pPr marL="274320">
-              <a:defRPr/>
+              <a:defRPr sz="2800">
+                <a:solidFill>
+                  <a:schemeClr val="tx1"/>
+                </a:solidFill>
+              </a:defRPr>
             </a:lvl1pPr>
             <a:lvl2pPr marL="457200">
               <a:defRPr>
@@ -4035,35 +4041,35 @@
           <a:p>
             <a:pPr lvl="0"/>
             <a:r>
-              <a:rPr lang="en-US" altLang="zh-CN"/>
+              <a:rPr lang="en-US" altLang="zh-CN" dirty="0"/>
               <a:t>Edit Master text styles</a:t>
             </a:r>
           </a:p>
           <a:p>
             <a:pPr lvl="1"/>
             <a:r>
-              <a:rPr lang="en-US" altLang="zh-CN"/>
+              <a:rPr lang="en-US" altLang="zh-CN" dirty="0"/>
               <a:t>Second level</a:t>
             </a:r>
           </a:p>
           <a:p>
             <a:pPr lvl="2"/>
             <a:r>
-              <a:rPr lang="en-US" altLang="zh-CN"/>
+              <a:rPr lang="en-US" altLang="zh-CN" dirty="0"/>
               <a:t>Third level</a:t>
             </a:r>
           </a:p>
           <a:p>
             <a:pPr lvl="3"/>
             <a:r>
-              <a:rPr lang="en-US" altLang="zh-CN"/>
+              <a:rPr lang="en-US" altLang="zh-CN" dirty="0"/>
               <a:t>Fourth level</a:t>
             </a:r>
           </a:p>
           <a:p>
             <a:pPr lvl="4"/>
             <a:r>
-              <a:rPr lang="en-US" altLang="zh-CN"/>
+              <a:rPr lang="en-US" altLang="zh-CN" dirty="0"/>
               <a:t>Fifth level</a:t>
             </a:r>
             <a:endParaRPr lang="en-US" dirty="0"/>
@@ -4144,7 +4150,7 @@
         <p:spPr>
           <a:xfrm>
             <a:off x="519248" y="1447799"/>
-            <a:ext cx="5303520" cy="4846320"/>
+            <a:ext cx="5303520" cy="726353"/>
           </a:xfrm>
         </p:spPr>
         <p:txBody>
@@ -4152,7 +4158,11 @@
           <a:lstStyle>
             <a:lvl1pPr marL="0" indent="0">
               <a:buNone/>
-              <a:defRPr/>
+              <a:defRPr sz="2800">
+                <a:solidFill>
+                  <a:schemeClr val="tx1"/>
+                </a:solidFill>
+              </a:defRPr>
             </a:lvl1pPr>
             <a:lvl2pPr marL="0" indent="0">
               <a:buNone/>
@@ -4200,7 +4210,7 @@
         <p:spPr>
           <a:xfrm>
             <a:off x="6367645" y="1447799"/>
-            <a:ext cx="5303520" cy="4846320"/>
+            <a:ext cx="5303520" cy="726353"/>
           </a:xfrm>
         </p:spPr>
         <p:txBody>
@@ -4208,7 +4218,11 @@
           <a:lstStyle>
             <a:lvl1pPr marL="0" indent="0">
               <a:buNone/>
-              <a:defRPr/>
+              <a:defRPr sz="2800">
+                <a:solidFill>
+                  <a:schemeClr val="tx1"/>
+                </a:solidFill>
+              </a:defRPr>
             </a:lvl1pPr>
             <a:lvl2pPr marL="0" indent="0">
               <a:buNone/>
@@ -4230,14 +4244,14 @@
           <a:p>
             <a:pPr lvl="0"/>
             <a:r>
-              <a:rPr lang="en-US" altLang="zh-CN"/>
+              <a:rPr lang="en-US" altLang="zh-CN" dirty="0"/>
               <a:t>Edit Master text styles</a:t>
             </a:r>
           </a:p>
           <a:p>
             <a:pPr lvl="1"/>
             <a:r>
-              <a:rPr lang="en-US" altLang="zh-CN"/>
+              <a:rPr lang="en-US" altLang="zh-CN" dirty="0"/>
               <a:t>Second level</a:t>
             </a:r>
           </a:p>
@@ -4317,7 +4331,7 @@
         <p:spPr>
           <a:xfrm>
             <a:off x="519248" y="1447796"/>
-            <a:ext cx="5303520" cy="4846321"/>
+            <a:ext cx="5303520" cy="1538883"/>
           </a:xfrm>
         </p:spPr>
         <p:txBody>
@@ -4325,9 +4339,9 @@
           <a:lstStyle>
             <a:lvl1pPr marL="499745" indent="-571500">
               <a:buNone/>
-              <a:defRPr lang="en-US" sz="4000" kern="1200" dirty="0" smtClean="0">
+              <a:defRPr lang="en-US" sz="2800" kern="1200" dirty="0" smtClean="0">
                 <a:solidFill>
-                  <a:srgbClr val="FF0000"/>
+                  <a:schemeClr val="tx1"/>
                 </a:solidFill>
                 <a:latin typeface="Segoe UI" panose="020B0502040204020203" pitchFamily="34" charset="0"/>
                 <a:ea typeface="+mn-ea"/>
@@ -4372,7 +4386,7 @@
               <a:buChar char="•"/>
             </a:pPr>
             <a:r>
-              <a:rPr lang="en-US" altLang="zh-CN"/>
+              <a:rPr lang="en-US" altLang="zh-CN" dirty="0"/>
               <a:t>Edit Master text styles</a:t>
             </a:r>
           </a:p>
@@ -4389,7 +4403,7 @@
               <a:buChar char="•"/>
             </a:pPr>
             <a:r>
-              <a:rPr lang="en-US" altLang="zh-CN"/>
+              <a:rPr lang="en-US" altLang="zh-CN" dirty="0"/>
               <a:t>Second level</a:t>
             </a:r>
           </a:p>
@@ -4406,7 +4420,7 @@
               <a:buChar char="•"/>
             </a:pPr>
             <a:r>
-              <a:rPr lang="en-US" altLang="zh-CN"/>
+              <a:rPr lang="en-US" altLang="zh-CN" dirty="0"/>
               <a:t>Third level</a:t>
             </a:r>
           </a:p>
@@ -4423,7 +4437,7 @@
               <a:buChar char="•"/>
             </a:pPr>
             <a:r>
-              <a:rPr lang="en-US" altLang="zh-CN"/>
+              <a:rPr lang="en-US" altLang="zh-CN" dirty="0"/>
               <a:t>Fourth level</a:t>
             </a:r>
           </a:p>
@@ -4440,7 +4454,7 @@
               <a:buChar char="•"/>
             </a:pPr>
             <a:r>
-              <a:rPr lang="en-US" altLang="zh-CN"/>
+              <a:rPr lang="en-US" altLang="zh-CN" dirty="0"/>
               <a:t>Fifth level</a:t>
             </a:r>
             <a:endParaRPr lang="en-US" dirty="0"/>
@@ -4460,7 +4474,7 @@
         <p:spPr>
           <a:xfrm>
             <a:off x="6367645" y="1447795"/>
-            <a:ext cx="5303520" cy="4846321"/>
+            <a:ext cx="5303520" cy="1538883"/>
           </a:xfrm>
         </p:spPr>
         <p:txBody>
@@ -4468,9 +4482,9 @@
           <a:lstStyle>
             <a:lvl1pPr marL="499745" indent="-571500">
               <a:buNone/>
-              <a:defRPr lang="en-US" sz="4000" kern="1200" dirty="0" smtClean="0">
+              <a:defRPr lang="en-US" sz="2800" kern="1200" dirty="0" smtClean="0">
                 <a:solidFill>
-                  <a:srgbClr val="FF0000"/>
+                  <a:schemeClr val="tx1"/>
                 </a:solidFill>
                 <a:latin typeface="Segoe UI" panose="020B0502040204020203" pitchFamily="34" charset="0"/>
                 <a:ea typeface="+mn-ea"/>
@@ -4515,7 +4529,7 @@
               <a:buChar char="•"/>
             </a:pPr>
             <a:r>
-              <a:rPr lang="en-US" altLang="zh-CN"/>
+              <a:rPr lang="en-US" altLang="zh-CN" dirty="0"/>
               <a:t>Edit Master text styles</a:t>
             </a:r>
           </a:p>
@@ -4532,7 +4546,7 @@
               <a:buChar char="•"/>
             </a:pPr>
             <a:r>
-              <a:rPr lang="en-US" altLang="zh-CN"/>
+              <a:rPr lang="en-US" altLang="zh-CN" dirty="0"/>
               <a:t>Second level</a:t>
             </a:r>
           </a:p>
@@ -4549,7 +4563,7 @@
               <a:buChar char="•"/>
             </a:pPr>
             <a:r>
-              <a:rPr lang="en-US" altLang="zh-CN"/>
+              <a:rPr lang="en-US" altLang="zh-CN" dirty="0"/>
               <a:t>Third level</a:t>
             </a:r>
           </a:p>
@@ -4566,7 +4580,7 @@
               <a:buChar char="•"/>
             </a:pPr>
             <a:r>
-              <a:rPr lang="en-US" altLang="zh-CN"/>
+              <a:rPr lang="en-US" altLang="zh-CN" dirty="0"/>
               <a:t>Fourth level</a:t>
             </a:r>
           </a:p>
@@ -4583,7 +4597,7 @@
               <a:buChar char="•"/>
             </a:pPr>
             <a:r>
-              <a:rPr lang="en-US" altLang="zh-CN"/>
+              <a:rPr lang="en-US" altLang="zh-CN" dirty="0"/>
               <a:t>Fifth level</a:t>
             </a:r>
             <a:endParaRPr lang="en-US" dirty="0"/>
@@ -4659,7 +4673,7 @@
         <p:spPr>
           <a:xfrm>
             <a:off x="519248" y="1448905"/>
-            <a:ext cx="11155680" cy="4845214"/>
+            <a:ext cx="11155680" cy="726353"/>
           </a:xfrm>
         </p:spPr>
         <p:txBody>
@@ -4667,7 +4681,11 @@
           <a:lstStyle>
             <a:lvl1pPr marL="0" indent="0">
               <a:buNone/>
-              <a:defRPr/>
+              <a:defRPr sz="2800">
+                <a:solidFill>
+                  <a:schemeClr val="tx1"/>
+                </a:solidFill>
+              </a:defRPr>
             </a:lvl1pPr>
             <a:lvl2pPr marL="0" indent="0">
               <a:buNone/>
@@ -4692,14 +4710,14 @@
           <a:p>
             <a:pPr lvl="0"/>
             <a:r>
-              <a:rPr lang="en-US" altLang="zh-CN"/>
+              <a:rPr lang="en-US" altLang="zh-CN" dirty="0"/>
               <a:t>Edit Master text styles</a:t>
             </a:r>
           </a:p>
           <a:p>
             <a:pPr lvl="1"/>
             <a:r>
-              <a:rPr lang="en-US" altLang="zh-CN"/>
+              <a:rPr lang="en-US" altLang="zh-CN" dirty="0"/>
               <a:t>Second level</a:t>
             </a:r>
           </a:p>
@@ -4774,7 +4792,7 @@
         <p:spPr>
           <a:xfrm>
             <a:off x="519248" y="1447799"/>
-            <a:ext cx="11151917" cy="4846319"/>
+            <a:ext cx="11151917" cy="1538883"/>
           </a:xfrm>
         </p:spPr>
         <p:txBody>
@@ -4784,7 +4802,11 @@
               <a:lnSpc>
                 <a:spcPct val="90000"/>
               </a:lnSpc>
-              <a:defRPr/>
+              <a:defRPr sz="2800">
+                <a:solidFill>
+                  <a:schemeClr val="tx1"/>
+                </a:solidFill>
+              </a:defRPr>
             </a:lvl1pPr>
             <a:lvl2pPr>
               <a:lnSpc>
@@ -4817,35 +4839,35 @@
           <a:p>
             <a:pPr lvl="0"/>
             <a:r>
-              <a:rPr lang="en-US" altLang="zh-CN"/>
+              <a:rPr lang="en-US" altLang="zh-CN" dirty="0"/>
               <a:t>Edit Master text styles</a:t>
             </a:r>
           </a:p>
           <a:p>
             <a:pPr lvl="1"/>
             <a:r>
-              <a:rPr lang="en-US" altLang="zh-CN"/>
+              <a:rPr lang="en-US" altLang="zh-CN" dirty="0"/>
               <a:t>Second level</a:t>
             </a:r>
           </a:p>
           <a:p>
             <a:pPr lvl="2"/>
             <a:r>
-              <a:rPr lang="en-US" altLang="zh-CN"/>
+              <a:rPr lang="en-US" altLang="zh-CN" dirty="0"/>
               <a:t>Third level</a:t>
             </a:r>
           </a:p>
           <a:p>
             <a:pPr lvl="3"/>
             <a:r>
-              <a:rPr lang="en-US" altLang="zh-CN"/>
+              <a:rPr lang="en-US" altLang="zh-CN" dirty="0"/>
               <a:t>Fourth level</a:t>
             </a:r>
           </a:p>
           <a:p>
             <a:pPr lvl="4"/>
             <a:r>
-              <a:rPr lang="en-US" altLang="zh-CN"/>
+              <a:rPr lang="en-US" altLang="zh-CN" dirty="0"/>
               <a:t>Fifth level</a:t>
             </a:r>
             <a:endParaRPr lang="en-US" dirty="0"/>
@@ -5935,7 +5957,7 @@
         <p:spPr>
           <a:xfrm>
             <a:off x="519248" y="1447800"/>
-            <a:ext cx="11151916" cy="1705082"/>
+            <a:ext cx="11151916" cy="1538883"/>
           </a:xfrm>
           <a:prstGeom prst="rect">
             <a:avLst/>
@@ -6195,9 +6217,9 @@
         <a:buSzPct val="90000"/>
         <a:buFont typeface="Arial" pitchFamily="34" charset="0"/>
         <a:buChar char="•"/>
-        <a:defRPr sz="4000" kern="1200">
+        <a:defRPr sz="2800" kern="1200">
           <a:solidFill>
-            <a:srgbClr val="E31A25"/>
+            <a:schemeClr val="tx1"/>
           </a:solidFill>
           <a:latin typeface="Segoe UI" panose="020B0502040204020203" pitchFamily="34" charset="0"/>
           <a:ea typeface="+mn-ea"/>
@@ -6504,7 +6526,7 @@
     </p:spTree>
     <p:extLst>
       <p:ext uri="{BB962C8B-B14F-4D97-AF65-F5344CB8AC3E}">
-        <p14:creationId xmlns:p14="http://schemas.microsoft.com/office/powerpoint/2010/main" val="474337713"/>
+        <p14:creationId xmlns:p14="http://schemas.microsoft.com/office/powerpoint/2010/main" val="116310064"/>
       </p:ext>
     </p:extLst>
   </p:cSld>
@@ -6514,79 +6536,8 @@
 </p:sld>
 </file>
 
-<file path=ppt/slides/slide2.xml><?xml version="1.0" encoding="utf-8"?>
-<p:sld xmlns:a="http://schemas.openxmlformats.org/drawingml/2006/main" xmlns:r="http://schemas.openxmlformats.org/officeDocument/2006/relationships" xmlns:p="http://schemas.openxmlformats.org/presentationml/2006/main">
-  <p:cSld>
-    <p:spTree>
-      <p:nvGrpSpPr>
-        <p:cNvPr id="1" name=""/>
-        <p:cNvGrpSpPr/>
-        <p:nvPr/>
-      </p:nvGrpSpPr>
-      <p:grpSpPr>
-        <a:xfrm>
-          <a:off x="0" y="0"/>
-          <a:ext cx="0" cy="0"/>
-          <a:chOff x="0" y="0"/>
-          <a:chExt cx="0" cy="0"/>
-        </a:xfrm>
-      </p:grpSpPr>
-      <p:sp>
-        <p:nvSpPr>
-          <p:cNvPr id="2" name="Title 1"/>
-          <p:cNvSpPr>
-            <a:spLocks noGrp="1"/>
-          </p:cNvSpPr>
-          <p:nvPr>
-            <p:ph type="title"/>
-          </p:nvPr>
-        </p:nvSpPr>
-        <p:spPr/>
-        <p:txBody>
-          <a:bodyPr/>
-          <a:lstStyle/>
-          <a:p>
-            <a:endParaRPr lang="en-US"/>
-          </a:p>
-        </p:txBody>
-      </p:sp>
-      <p:sp>
-        <p:nvSpPr>
-          <p:cNvPr id="3" name="Text Placeholder 2"/>
-          <p:cNvSpPr>
-            <a:spLocks noGrp="1"/>
-          </p:cNvSpPr>
-          <p:nvPr>
-            <p:ph type="body" sz="quarter" idx="10"/>
-          </p:nvPr>
-        </p:nvSpPr>
-        <p:spPr/>
-        <p:txBody>
-          <a:bodyPr/>
-          <a:lstStyle/>
-          <a:p>
-            <a:endParaRPr lang="en-US"/>
-          </a:p>
-        </p:txBody>
-      </p:sp>
-    </p:spTree>
-    <p:extLst>
-      <p:ext uri="{BB962C8B-B14F-4D97-AF65-F5344CB8AC3E}">
-        <p14:creationId xmlns:p14="http://schemas.microsoft.com/office/powerpoint/2010/main" val="3245196143"/>
-      </p:ext>
-    </p:extLst>
-  </p:cSld>
-  <p:clrMapOvr>
-    <a:masterClrMapping/>
-  </p:clrMapOvr>
-  <p:transition>
-    <p:fade/>
-  </p:transition>
-</p:sld>
-</file>
-
 <file path=ppt/theme/theme1.xml><?xml version="1.0" encoding="utf-8"?>
-<a:theme xmlns:a="http://schemas.openxmlformats.org/drawingml/2006/main" name="Theme1">
+<a:theme xmlns:a="http://schemas.openxmlformats.org/drawingml/2006/main" name="AP">
   <a:themeElements>
     <a:clrScheme name="Office">
       <a:dk1>
@@ -6780,7 +6731,7 @@
   <a:extraClrSchemeLst/>
   <a:extLst>
     <a:ext uri="{05A4C25C-085E-4340-85A3-A5531E510DB2}">
-      <thm15:themeFamily xmlns:thm15="http://schemas.microsoft.com/office/thememl/2012/main" name="Theme1" id="{28BD6BAD-47D5-417C-B959-ECEC454D49EA}" vid="{3B891AF1-CB8A-4ED5-93E7-A7252807E9BC}"/>
+      <thm15:themeFamily xmlns:thm15="http://schemas.microsoft.com/office/thememl/2012/main" name="AP" id="{7A1D273C-FD70-418F-BFA0-33C22D90D69E}" vid="{C1900CDE-EF2A-487A-B61F-93F0A9D8324C}"/>
     </a:ext>
   </a:extLst>
 </a:theme>

--- a/ave.pptx
+++ b/ave.pptx
@@ -8,6 +8,8 @@
   </p:sldMasterIdLst>
   <p:sldIdLst>
     <p:sldId id="256" r:id="rId4"/>
+    <p:sldId id="257" r:id="rId5"/>
+    <p:sldId id="258" r:id="rId6"/>
   </p:sldIdLst>
   <p:sldSz cx="12192000" cy="6858000"/>
   <p:notesSz cx="6858000" cy="9144000"/>
@@ -6500,7 +6502,7 @@
           <a:bodyPr/>
           <a:lstStyle/>
           <a:p>
-            <a:endParaRPr lang="en-US"/>
+            <a:endParaRPr lang="en-US" dirty="0"/>
           </a:p>
         </p:txBody>
       </p:sp>
@@ -6519,7 +6521,7 @@
           <a:bodyPr/>
           <a:lstStyle/>
           <a:p>
-            <a:endParaRPr lang="en-US"/>
+            <a:endParaRPr lang="en-US" dirty="0"/>
           </a:p>
         </p:txBody>
       </p:sp>
@@ -6533,6 +6535,3098 @@
   <p:clrMapOvr>
     <a:masterClrMapping/>
   </p:clrMapOvr>
+</p:sld>
+</file>
+
+<file path=ppt/slides/slide2.xml><?xml version="1.0" encoding="utf-8"?>
+<p:sld xmlns:a="http://schemas.openxmlformats.org/drawingml/2006/main" xmlns:r="http://schemas.openxmlformats.org/officeDocument/2006/relationships" xmlns:p="http://schemas.openxmlformats.org/presentationml/2006/main">
+  <p:cSld>
+    <p:spTree>
+      <p:nvGrpSpPr>
+        <p:cNvPr id="1" name=""/>
+        <p:cNvGrpSpPr/>
+        <p:nvPr/>
+      </p:nvGrpSpPr>
+      <p:grpSpPr>
+        <a:xfrm>
+          <a:off x="0" y="0"/>
+          <a:ext cx="0" cy="0"/>
+          <a:chOff x="0" y="0"/>
+          <a:chExt cx="0" cy="0"/>
+        </a:xfrm>
+      </p:grpSpPr>
+      <p:sp>
+        <p:nvSpPr>
+          <p:cNvPr id="2" name="Title 1"/>
+          <p:cNvSpPr>
+            <a:spLocks noGrp="1"/>
+          </p:cNvSpPr>
+          <p:nvPr>
+            <p:ph type="title"/>
+          </p:nvPr>
+        </p:nvSpPr>
+        <p:spPr/>
+        <p:txBody>
+          <a:bodyPr/>
+          <a:lstStyle/>
+          <a:p>
+            <a:r>
+              <a:rPr lang="en-US" dirty="0" smtClean="0"/>
+              <a:t>Chrome</a:t>
+            </a:r>
+            <a:r>
+              <a:rPr lang="zh-CN" altLang="en-US" dirty="0" smtClean="0"/>
+              <a:t>浏览器</a:t>
+            </a:r>
+            <a:r>
+              <a:rPr lang="en-US" altLang="zh-CN" dirty="0" smtClean="0"/>
+              <a:t>&amp;NODE</a:t>
+            </a:r>
+            <a:r>
+              <a:rPr lang="zh-CN" altLang="en-US" dirty="0" smtClean="0"/>
+              <a:t>的组件构成</a:t>
+            </a:r>
+            <a:endParaRPr lang="en-US" dirty="0"/>
+          </a:p>
+        </p:txBody>
+      </p:sp>
+      <p:sp>
+        <p:nvSpPr>
+          <p:cNvPr id="3" name="Rectangle 2"/>
+          <p:cNvSpPr/>
+          <p:nvPr/>
+        </p:nvSpPr>
+        <p:spPr bwMode="auto">
+          <a:xfrm>
+            <a:off x="988540" y="1360923"/>
+            <a:ext cx="3929449" cy="4168346"/>
+          </a:xfrm>
+          <a:prstGeom prst="rect">
+            <a:avLst/>
+          </a:prstGeom>
+          <a:solidFill>
+            <a:schemeClr val="tx1">
+              <a:lumMod val="20000"/>
+              <a:lumOff val="80000"/>
+            </a:schemeClr>
+          </a:solidFill>
+          <a:ln>
+            <a:noFill/>
+            <a:headEnd type="none" w="med" len="med"/>
+            <a:tailEnd type="none" w="med" len="med"/>
+          </a:ln>
+          <a:effectLst/>
+        </p:spPr>
+        <p:style>
+          <a:lnRef idx="1">
+            <a:schemeClr val="accent2"/>
+          </a:lnRef>
+          <a:fillRef idx="3">
+            <a:schemeClr val="accent2"/>
+          </a:fillRef>
+          <a:effectRef idx="2">
+            <a:schemeClr val="accent2"/>
+          </a:effectRef>
+          <a:fontRef idx="minor">
+            <a:schemeClr val="lt1"/>
+          </a:fontRef>
+        </p:style>
+        <p:txBody>
+          <a:bodyPr rot="0" spcFirstLastPara="0" vertOverflow="overflow" horzOverflow="overflow" vert="horz" wrap="square" lIns="91440" tIns="45720" rIns="45720" bIns="91440" numCol="1" spcCol="0" rtlCol="0" fromWordArt="0" anchor="b" anchorCtr="0" forceAA="0" compatLnSpc="1">
+            <a:prstTxWarp prst="textNoShape">
+              <a:avLst/>
+            </a:prstTxWarp>
+            <a:noAutofit/>
+          </a:bodyPr>
+          <a:lstStyle/>
+          <a:p>
+            <a:pPr algn="ctr" defTabSz="914099" fontAlgn="base">
+              <a:spcBef>
+                <a:spcPct val="0"/>
+              </a:spcBef>
+              <a:spcAft>
+                <a:spcPct val="0"/>
+              </a:spcAft>
+            </a:pPr>
+            <a:endParaRPr lang="en-US" spc="-50" dirty="0" err="1" smtClean="0">
+              <a:gradFill>
+                <a:gsLst>
+                  <a:gs pos="0">
+                    <a:srgbClr val="FFFFFF"/>
+                  </a:gs>
+                  <a:gs pos="100000">
+                    <a:srgbClr val="FFFFFF"/>
+                  </a:gs>
+                </a:gsLst>
+                <a:lin ang="5400000" scaled="0"/>
+              </a:gradFill>
+              <a:latin typeface="Segoe UI" pitchFamily="34" charset="0"/>
+              <a:ea typeface="Segoe UI" pitchFamily="34" charset="0"/>
+              <a:cs typeface="Segoe UI" pitchFamily="34" charset="0"/>
+            </a:endParaRPr>
+          </a:p>
+        </p:txBody>
+      </p:sp>
+      <p:sp>
+        <p:nvSpPr>
+          <p:cNvPr id="6" name="Rounded Rectangle 5"/>
+          <p:cNvSpPr/>
+          <p:nvPr/>
+        </p:nvSpPr>
+        <p:spPr bwMode="auto">
+          <a:xfrm>
+            <a:off x="1186248" y="1631092"/>
+            <a:ext cx="1136822" cy="436605"/>
+          </a:xfrm>
+          <a:prstGeom prst="roundRect">
+            <a:avLst/>
+          </a:prstGeom>
+          <a:solidFill>
+            <a:schemeClr val="accent6"/>
+          </a:solidFill>
+          <a:ln>
+            <a:noFill/>
+            <a:headEnd type="none" w="med" len="med"/>
+            <a:tailEnd type="none" w="med" len="med"/>
+          </a:ln>
+          <a:effectLst/>
+        </p:spPr>
+        <p:style>
+          <a:lnRef idx="1">
+            <a:schemeClr val="accent2"/>
+          </a:lnRef>
+          <a:fillRef idx="3">
+            <a:schemeClr val="accent2"/>
+          </a:fillRef>
+          <a:effectRef idx="2">
+            <a:schemeClr val="accent2"/>
+          </a:effectRef>
+          <a:fontRef idx="minor">
+            <a:schemeClr val="lt1"/>
+          </a:fontRef>
+        </p:style>
+        <p:txBody>
+          <a:bodyPr rot="0" spcFirstLastPara="0" vertOverflow="overflow" horzOverflow="overflow" vert="horz" wrap="square" lIns="91440" tIns="45720" rIns="45720" bIns="91440" numCol="1" spcCol="0" rtlCol="0" fromWordArt="0" anchor="b" anchorCtr="0" forceAA="0" compatLnSpc="1">
+            <a:prstTxWarp prst="textNoShape">
+              <a:avLst/>
+            </a:prstTxWarp>
+            <a:noAutofit/>
+          </a:bodyPr>
+          <a:lstStyle/>
+          <a:p>
+            <a:pPr algn="ctr" defTabSz="914099" fontAlgn="base">
+              <a:spcBef>
+                <a:spcPct val="0"/>
+              </a:spcBef>
+              <a:spcAft>
+                <a:spcPct val="0"/>
+              </a:spcAft>
+            </a:pPr>
+            <a:r>
+              <a:rPr lang="en-US" altLang="zh-CN" spc="-50" dirty="0" smtClean="0">
+                <a:gradFill>
+                  <a:gsLst>
+                    <a:gs pos="0">
+                      <a:srgbClr val="FFFFFF"/>
+                    </a:gs>
+                    <a:gs pos="100000">
+                      <a:srgbClr val="FFFFFF"/>
+                    </a:gs>
+                  </a:gsLst>
+                  <a:lin ang="5400000" scaled="0"/>
+                </a:gradFill>
+                <a:latin typeface="Segoe UI" pitchFamily="34" charset="0"/>
+                <a:ea typeface="Segoe UI" pitchFamily="34" charset="0"/>
+                <a:cs typeface="Segoe UI" pitchFamily="34" charset="0"/>
+              </a:rPr>
+              <a:t>HTML</a:t>
+            </a:r>
+            <a:endParaRPr lang="en-US" spc="-50" dirty="0" smtClean="0">
+              <a:gradFill>
+                <a:gsLst>
+                  <a:gs pos="0">
+                    <a:srgbClr val="FFFFFF"/>
+                  </a:gs>
+                  <a:gs pos="100000">
+                    <a:srgbClr val="FFFFFF"/>
+                  </a:gs>
+                </a:gsLst>
+                <a:lin ang="5400000" scaled="0"/>
+              </a:gradFill>
+              <a:latin typeface="Segoe UI" pitchFamily="34" charset="0"/>
+              <a:ea typeface="Segoe UI" pitchFamily="34" charset="0"/>
+              <a:cs typeface="Segoe UI" pitchFamily="34" charset="0"/>
+            </a:endParaRPr>
+          </a:p>
+        </p:txBody>
+      </p:sp>
+      <p:sp>
+        <p:nvSpPr>
+          <p:cNvPr id="9" name="Rounded Rectangle 8"/>
+          <p:cNvSpPr/>
+          <p:nvPr/>
+        </p:nvSpPr>
+        <p:spPr bwMode="auto">
+          <a:xfrm>
+            <a:off x="3309549" y="1627898"/>
+            <a:ext cx="1136822" cy="436605"/>
+          </a:xfrm>
+          <a:prstGeom prst="roundRect">
+            <a:avLst/>
+          </a:prstGeom>
+          <a:solidFill>
+            <a:schemeClr val="accent6"/>
+          </a:solidFill>
+          <a:ln>
+            <a:noFill/>
+            <a:headEnd type="none" w="med" len="med"/>
+            <a:tailEnd type="none" w="med" len="med"/>
+          </a:ln>
+          <a:effectLst/>
+        </p:spPr>
+        <p:style>
+          <a:lnRef idx="1">
+            <a:schemeClr val="accent2"/>
+          </a:lnRef>
+          <a:fillRef idx="3">
+            <a:schemeClr val="accent2"/>
+          </a:fillRef>
+          <a:effectRef idx="2">
+            <a:schemeClr val="accent2"/>
+          </a:effectRef>
+          <a:fontRef idx="minor">
+            <a:schemeClr val="lt1"/>
+          </a:fontRef>
+        </p:style>
+        <p:txBody>
+          <a:bodyPr rot="0" spcFirstLastPara="0" vertOverflow="overflow" horzOverflow="overflow" vert="horz" wrap="square" lIns="91440" tIns="45720" rIns="45720" bIns="91440" numCol="1" spcCol="0" rtlCol="0" fromWordArt="0" anchor="b" anchorCtr="0" forceAA="0" compatLnSpc="1">
+            <a:prstTxWarp prst="textNoShape">
+              <a:avLst/>
+            </a:prstTxWarp>
+            <a:noAutofit/>
+          </a:bodyPr>
+          <a:lstStyle/>
+          <a:p>
+            <a:pPr algn="ctr" defTabSz="914099" fontAlgn="base">
+              <a:spcBef>
+                <a:spcPct val="0"/>
+              </a:spcBef>
+              <a:spcAft>
+                <a:spcPct val="0"/>
+              </a:spcAft>
+            </a:pPr>
+            <a:r>
+              <a:rPr lang="en-US" altLang="zh-CN" spc="-50" dirty="0" err="1" smtClean="0">
+                <a:gradFill>
+                  <a:gsLst>
+                    <a:gs pos="0">
+                      <a:srgbClr val="FFFFFF"/>
+                    </a:gs>
+                    <a:gs pos="100000">
+                      <a:srgbClr val="FFFFFF"/>
+                    </a:gs>
+                  </a:gsLst>
+                  <a:lin ang="5400000" scaled="0"/>
+                </a:gradFill>
+                <a:latin typeface="Segoe UI" pitchFamily="34" charset="0"/>
+                <a:ea typeface="Segoe UI" pitchFamily="34" charset="0"/>
+                <a:cs typeface="Segoe UI" pitchFamily="34" charset="0"/>
+              </a:rPr>
+              <a:t>Javascript</a:t>
+            </a:r>
+            <a:endParaRPr lang="en-US" spc="-50" dirty="0" smtClean="0">
+              <a:gradFill>
+                <a:gsLst>
+                  <a:gs pos="0">
+                    <a:srgbClr val="FFFFFF"/>
+                  </a:gs>
+                  <a:gs pos="100000">
+                    <a:srgbClr val="FFFFFF"/>
+                  </a:gs>
+                </a:gsLst>
+                <a:lin ang="5400000" scaled="0"/>
+              </a:gradFill>
+              <a:latin typeface="Segoe UI" pitchFamily="34" charset="0"/>
+              <a:ea typeface="Segoe UI" pitchFamily="34" charset="0"/>
+              <a:cs typeface="Segoe UI" pitchFamily="34" charset="0"/>
+            </a:endParaRPr>
+          </a:p>
+        </p:txBody>
+      </p:sp>
+      <p:sp>
+        <p:nvSpPr>
+          <p:cNvPr id="10" name="Rounded Rectangle 9"/>
+          <p:cNvSpPr/>
+          <p:nvPr/>
+        </p:nvSpPr>
+        <p:spPr bwMode="auto">
+          <a:xfrm>
+            <a:off x="1186248" y="2452122"/>
+            <a:ext cx="1136822" cy="436605"/>
+          </a:xfrm>
+          <a:prstGeom prst="roundRect">
+            <a:avLst/>
+          </a:prstGeom>
+          <a:solidFill>
+            <a:schemeClr val="accent6"/>
+          </a:solidFill>
+          <a:ln>
+            <a:noFill/>
+            <a:headEnd type="none" w="med" len="med"/>
+            <a:tailEnd type="none" w="med" len="med"/>
+          </a:ln>
+          <a:effectLst/>
+        </p:spPr>
+        <p:style>
+          <a:lnRef idx="1">
+            <a:schemeClr val="accent2"/>
+          </a:lnRef>
+          <a:fillRef idx="3">
+            <a:schemeClr val="accent2"/>
+          </a:fillRef>
+          <a:effectRef idx="2">
+            <a:schemeClr val="accent2"/>
+          </a:effectRef>
+          <a:fontRef idx="minor">
+            <a:schemeClr val="lt1"/>
+          </a:fontRef>
+        </p:style>
+        <p:txBody>
+          <a:bodyPr rot="0" spcFirstLastPara="0" vertOverflow="overflow" horzOverflow="overflow" vert="horz" wrap="square" lIns="91440" tIns="45720" rIns="45720" bIns="91440" numCol="1" spcCol="0" rtlCol="0" fromWordArt="0" anchor="b" anchorCtr="0" forceAA="0" compatLnSpc="1">
+            <a:prstTxWarp prst="textNoShape">
+              <a:avLst/>
+            </a:prstTxWarp>
+            <a:noAutofit/>
+          </a:bodyPr>
+          <a:lstStyle/>
+          <a:p>
+            <a:pPr algn="ctr" defTabSz="914099" fontAlgn="base">
+              <a:spcBef>
+                <a:spcPct val="0"/>
+              </a:spcBef>
+              <a:spcAft>
+                <a:spcPct val="0"/>
+              </a:spcAft>
+            </a:pPr>
+            <a:r>
+              <a:rPr lang="en-US" altLang="zh-CN" spc="-50" dirty="0" err="1" smtClean="0">
+                <a:gradFill>
+                  <a:gsLst>
+                    <a:gs pos="0">
+                      <a:srgbClr val="FFFFFF"/>
+                    </a:gs>
+                    <a:gs pos="100000">
+                      <a:srgbClr val="FFFFFF"/>
+                    </a:gs>
+                  </a:gsLst>
+                  <a:lin ang="5400000" scaled="0"/>
+                </a:gradFill>
+                <a:latin typeface="Segoe UI" pitchFamily="34" charset="0"/>
+                <a:ea typeface="Segoe UI" pitchFamily="34" charset="0"/>
+                <a:cs typeface="Segoe UI" pitchFamily="34" charset="0"/>
+              </a:rPr>
+              <a:t>WebKit</a:t>
+            </a:r>
+            <a:endParaRPr lang="en-US" spc="-50" dirty="0" smtClean="0">
+              <a:gradFill>
+                <a:gsLst>
+                  <a:gs pos="0">
+                    <a:srgbClr val="FFFFFF"/>
+                  </a:gs>
+                  <a:gs pos="100000">
+                    <a:srgbClr val="FFFFFF"/>
+                  </a:gs>
+                </a:gsLst>
+                <a:lin ang="5400000" scaled="0"/>
+              </a:gradFill>
+              <a:latin typeface="Segoe UI" pitchFamily="34" charset="0"/>
+              <a:ea typeface="Segoe UI" pitchFamily="34" charset="0"/>
+              <a:cs typeface="Segoe UI" pitchFamily="34" charset="0"/>
+            </a:endParaRPr>
+          </a:p>
+        </p:txBody>
+      </p:sp>
+      <p:sp>
+        <p:nvSpPr>
+          <p:cNvPr id="11" name="Rounded Rectangle 10"/>
+          <p:cNvSpPr/>
+          <p:nvPr/>
+        </p:nvSpPr>
+        <p:spPr bwMode="auto">
+          <a:xfrm>
+            <a:off x="3309549" y="2448928"/>
+            <a:ext cx="1136822" cy="436605"/>
+          </a:xfrm>
+          <a:prstGeom prst="roundRect">
+            <a:avLst/>
+          </a:prstGeom>
+          <a:solidFill>
+            <a:schemeClr val="accent6"/>
+          </a:solidFill>
+          <a:ln>
+            <a:noFill/>
+            <a:headEnd type="none" w="med" len="med"/>
+            <a:tailEnd type="none" w="med" len="med"/>
+          </a:ln>
+          <a:effectLst/>
+        </p:spPr>
+        <p:style>
+          <a:lnRef idx="1">
+            <a:schemeClr val="accent2"/>
+          </a:lnRef>
+          <a:fillRef idx="3">
+            <a:schemeClr val="accent2"/>
+          </a:fillRef>
+          <a:effectRef idx="2">
+            <a:schemeClr val="accent2"/>
+          </a:effectRef>
+          <a:fontRef idx="minor">
+            <a:schemeClr val="lt1"/>
+          </a:fontRef>
+        </p:style>
+        <p:txBody>
+          <a:bodyPr rot="0" spcFirstLastPara="0" vertOverflow="overflow" horzOverflow="overflow" vert="horz" wrap="square" lIns="91440" tIns="45720" rIns="45720" bIns="91440" numCol="1" spcCol="0" rtlCol="0" fromWordArt="0" anchor="b" anchorCtr="0" forceAA="0" compatLnSpc="1">
+            <a:prstTxWarp prst="textNoShape">
+              <a:avLst/>
+            </a:prstTxWarp>
+            <a:noAutofit/>
+          </a:bodyPr>
+          <a:lstStyle/>
+          <a:p>
+            <a:pPr algn="ctr" defTabSz="914099" fontAlgn="base">
+              <a:spcBef>
+                <a:spcPct val="0"/>
+              </a:spcBef>
+              <a:spcAft>
+                <a:spcPct val="0"/>
+              </a:spcAft>
+            </a:pPr>
+            <a:r>
+              <a:rPr lang="en-US" altLang="zh-CN" spc="-50" dirty="0" smtClean="0">
+                <a:gradFill>
+                  <a:gsLst>
+                    <a:gs pos="0">
+                      <a:srgbClr val="FFFFFF"/>
+                    </a:gs>
+                    <a:gs pos="100000">
+                      <a:srgbClr val="FFFFFF"/>
+                    </a:gs>
+                  </a:gsLst>
+                  <a:lin ang="5400000" scaled="0"/>
+                </a:gradFill>
+                <a:latin typeface="Segoe UI" pitchFamily="34" charset="0"/>
+                <a:ea typeface="Segoe UI" pitchFamily="34" charset="0"/>
+                <a:cs typeface="Segoe UI" pitchFamily="34" charset="0"/>
+              </a:rPr>
+              <a:t>V8</a:t>
+            </a:r>
+            <a:endParaRPr lang="en-US" spc="-50" dirty="0" smtClean="0">
+              <a:gradFill>
+                <a:gsLst>
+                  <a:gs pos="0">
+                    <a:srgbClr val="FFFFFF"/>
+                  </a:gs>
+                  <a:gs pos="100000">
+                    <a:srgbClr val="FFFFFF"/>
+                  </a:gs>
+                </a:gsLst>
+                <a:lin ang="5400000" scaled="0"/>
+              </a:gradFill>
+              <a:latin typeface="Segoe UI" pitchFamily="34" charset="0"/>
+              <a:ea typeface="Segoe UI" pitchFamily="34" charset="0"/>
+              <a:cs typeface="Segoe UI" pitchFamily="34" charset="0"/>
+            </a:endParaRPr>
+          </a:p>
+        </p:txBody>
+      </p:sp>
+      <p:sp>
+        <p:nvSpPr>
+          <p:cNvPr id="14" name="Rounded Rectangle 13"/>
+          <p:cNvSpPr/>
+          <p:nvPr/>
+        </p:nvSpPr>
+        <p:spPr bwMode="auto">
+          <a:xfrm>
+            <a:off x="1120346" y="3331669"/>
+            <a:ext cx="3326025" cy="584886"/>
+          </a:xfrm>
+          <a:prstGeom prst="roundRect">
+            <a:avLst/>
+          </a:prstGeom>
+          <a:solidFill>
+            <a:schemeClr val="accent6"/>
+          </a:solidFill>
+          <a:ln>
+            <a:noFill/>
+            <a:headEnd type="none" w="med" len="med"/>
+            <a:tailEnd type="none" w="med" len="med"/>
+          </a:ln>
+          <a:effectLst/>
+        </p:spPr>
+        <p:style>
+          <a:lnRef idx="1">
+            <a:schemeClr val="accent2"/>
+          </a:lnRef>
+          <a:fillRef idx="3">
+            <a:schemeClr val="accent2"/>
+          </a:fillRef>
+          <a:effectRef idx="2">
+            <a:schemeClr val="accent2"/>
+          </a:effectRef>
+          <a:fontRef idx="minor">
+            <a:schemeClr val="lt1"/>
+          </a:fontRef>
+        </p:style>
+        <p:txBody>
+          <a:bodyPr rot="0" spcFirstLastPara="0" vertOverflow="overflow" horzOverflow="overflow" vert="horz" wrap="square" lIns="91440" tIns="45720" rIns="45720" bIns="91440" numCol="1" spcCol="0" rtlCol="0" fromWordArt="0" anchor="b" anchorCtr="0" forceAA="0" compatLnSpc="1">
+            <a:prstTxWarp prst="textNoShape">
+              <a:avLst/>
+            </a:prstTxWarp>
+            <a:noAutofit/>
+          </a:bodyPr>
+          <a:lstStyle/>
+          <a:p>
+            <a:pPr algn="ctr" defTabSz="914099" fontAlgn="base">
+              <a:spcBef>
+                <a:spcPct val="0"/>
+              </a:spcBef>
+              <a:spcAft>
+                <a:spcPct val="0"/>
+              </a:spcAft>
+            </a:pPr>
+            <a:r>
+              <a:rPr lang="zh-CN" altLang="en-US" spc="-50" dirty="0" smtClean="0">
+                <a:gradFill>
+                  <a:gsLst>
+                    <a:gs pos="0">
+                      <a:srgbClr val="FFFFFF"/>
+                    </a:gs>
+                    <a:gs pos="100000">
+                      <a:srgbClr val="FFFFFF"/>
+                    </a:gs>
+                  </a:gsLst>
+                  <a:lin ang="5400000" scaled="0"/>
+                </a:gradFill>
+                <a:latin typeface="Segoe UI" pitchFamily="34" charset="0"/>
+                <a:ea typeface="Segoe UI" pitchFamily="34" charset="0"/>
+                <a:cs typeface="Segoe UI" pitchFamily="34" charset="0"/>
+              </a:rPr>
+              <a:t>中间层</a:t>
+            </a:r>
+            <a:endParaRPr lang="en-US" spc="-50" dirty="0" err="1" smtClean="0">
+              <a:gradFill>
+                <a:gsLst>
+                  <a:gs pos="0">
+                    <a:srgbClr val="FFFFFF"/>
+                  </a:gs>
+                  <a:gs pos="100000">
+                    <a:srgbClr val="FFFFFF"/>
+                  </a:gs>
+                </a:gsLst>
+                <a:lin ang="5400000" scaled="0"/>
+              </a:gradFill>
+              <a:latin typeface="Segoe UI" pitchFamily="34" charset="0"/>
+              <a:ea typeface="Segoe UI" pitchFamily="34" charset="0"/>
+              <a:cs typeface="Segoe UI" pitchFamily="34" charset="0"/>
+            </a:endParaRPr>
+          </a:p>
+        </p:txBody>
+      </p:sp>
+      <p:sp>
+        <p:nvSpPr>
+          <p:cNvPr id="15" name="Rounded Rectangle 14"/>
+          <p:cNvSpPr/>
+          <p:nvPr/>
+        </p:nvSpPr>
+        <p:spPr bwMode="auto">
+          <a:xfrm>
+            <a:off x="988540" y="4688745"/>
+            <a:ext cx="972066" cy="535459"/>
+          </a:xfrm>
+          <a:prstGeom prst="roundRect">
+            <a:avLst/>
+          </a:prstGeom>
+          <a:solidFill>
+            <a:schemeClr val="accent6"/>
+          </a:solidFill>
+          <a:ln>
+            <a:noFill/>
+            <a:headEnd type="none" w="med" len="med"/>
+            <a:tailEnd type="none" w="med" len="med"/>
+          </a:ln>
+          <a:effectLst/>
+        </p:spPr>
+        <p:style>
+          <a:lnRef idx="1">
+            <a:schemeClr val="accent2"/>
+          </a:lnRef>
+          <a:fillRef idx="3">
+            <a:schemeClr val="accent2"/>
+          </a:fillRef>
+          <a:effectRef idx="2">
+            <a:schemeClr val="accent2"/>
+          </a:effectRef>
+          <a:fontRef idx="minor">
+            <a:schemeClr val="lt1"/>
+          </a:fontRef>
+        </p:style>
+        <p:txBody>
+          <a:bodyPr rot="0" spcFirstLastPara="0" vertOverflow="overflow" horzOverflow="overflow" vert="horz" wrap="square" lIns="91440" tIns="45720" rIns="45720" bIns="91440" numCol="1" spcCol="0" rtlCol="0" fromWordArt="0" anchor="b" anchorCtr="0" forceAA="0" compatLnSpc="1">
+            <a:prstTxWarp prst="textNoShape">
+              <a:avLst/>
+            </a:prstTxWarp>
+            <a:noAutofit/>
+          </a:bodyPr>
+          <a:lstStyle/>
+          <a:p>
+            <a:pPr algn="ctr" defTabSz="914099" fontAlgn="base">
+              <a:spcBef>
+                <a:spcPct val="0"/>
+              </a:spcBef>
+              <a:spcAft>
+                <a:spcPct val="0"/>
+              </a:spcAft>
+            </a:pPr>
+            <a:r>
+              <a:rPr lang="zh-CN" altLang="en-US" spc="-50" dirty="0" smtClean="0">
+                <a:gradFill>
+                  <a:gsLst>
+                    <a:gs pos="0">
+                      <a:srgbClr val="FFFFFF"/>
+                    </a:gs>
+                    <a:gs pos="100000">
+                      <a:srgbClr val="FFFFFF"/>
+                    </a:gs>
+                  </a:gsLst>
+                  <a:lin ang="5400000" scaled="0"/>
+                </a:gradFill>
+                <a:latin typeface="Segoe UI" pitchFamily="34" charset="0"/>
+                <a:ea typeface="Segoe UI" pitchFamily="34" charset="0"/>
+                <a:cs typeface="Segoe UI" pitchFamily="34" charset="0"/>
+              </a:rPr>
+              <a:t>网卡</a:t>
+            </a:r>
+            <a:endParaRPr lang="en-US" spc="-50" dirty="0" err="1" smtClean="0">
+              <a:gradFill>
+                <a:gsLst>
+                  <a:gs pos="0">
+                    <a:srgbClr val="FFFFFF"/>
+                  </a:gs>
+                  <a:gs pos="100000">
+                    <a:srgbClr val="FFFFFF"/>
+                  </a:gs>
+                </a:gsLst>
+                <a:lin ang="5400000" scaled="0"/>
+              </a:gradFill>
+              <a:latin typeface="Segoe UI" pitchFamily="34" charset="0"/>
+              <a:ea typeface="Segoe UI" pitchFamily="34" charset="0"/>
+              <a:cs typeface="Segoe UI" pitchFamily="34" charset="0"/>
+            </a:endParaRPr>
+          </a:p>
+        </p:txBody>
+      </p:sp>
+      <p:sp>
+        <p:nvSpPr>
+          <p:cNvPr id="16" name="Rounded Rectangle 15"/>
+          <p:cNvSpPr/>
+          <p:nvPr/>
+        </p:nvSpPr>
+        <p:spPr bwMode="auto">
+          <a:xfrm>
+            <a:off x="1970902" y="4688745"/>
+            <a:ext cx="972066" cy="535459"/>
+          </a:xfrm>
+          <a:prstGeom prst="roundRect">
+            <a:avLst/>
+          </a:prstGeom>
+          <a:solidFill>
+            <a:schemeClr val="accent6"/>
+          </a:solidFill>
+          <a:ln>
+            <a:noFill/>
+            <a:headEnd type="none" w="med" len="med"/>
+            <a:tailEnd type="none" w="med" len="med"/>
+          </a:ln>
+          <a:effectLst/>
+        </p:spPr>
+        <p:style>
+          <a:lnRef idx="1">
+            <a:schemeClr val="accent2"/>
+          </a:lnRef>
+          <a:fillRef idx="3">
+            <a:schemeClr val="accent2"/>
+          </a:fillRef>
+          <a:effectRef idx="2">
+            <a:schemeClr val="accent2"/>
+          </a:effectRef>
+          <a:fontRef idx="minor">
+            <a:schemeClr val="lt1"/>
+          </a:fontRef>
+        </p:style>
+        <p:txBody>
+          <a:bodyPr rot="0" spcFirstLastPara="0" vertOverflow="overflow" horzOverflow="overflow" vert="horz" wrap="square" lIns="91440" tIns="45720" rIns="45720" bIns="91440" numCol="1" spcCol="0" rtlCol="0" fromWordArt="0" anchor="b" anchorCtr="0" forceAA="0" compatLnSpc="1">
+            <a:prstTxWarp prst="textNoShape">
+              <a:avLst/>
+            </a:prstTxWarp>
+            <a:noAutofit/>
+          </a:bodyPr>
+          <a:lstStyle/>
+          <a:p>
+            <a:pPr algn="ctr" defTabSz="914099" fontAlgn="base">
+              <a:spcBef>
+                <a:spcPct val="0"/>
+              </a:spcBef>
+              <a:spcAft>
+                <a:spcPct val="0"/>
+              </a:spcAft>
+            </a:pPr>
+            <a:r>
+              <a:rPr lang="zh-CN" altLang="en-US" spc="-50" dirty="0" smtClean="0">
+                <a:gradFill>
+                  <a:gsLst>
+                    <a:gs pos="0">
+                      <a:srgbClr val="FFFFFF"/>
+                    </a:gs>
+                    <a:gs pos="100000">
+                      <a:srgbClr val="FFFFFF"/>
+                    </a:gs>
+                  </a:gsLst>
+                  <a:lin ang="5400000" scaled="0"/>
+                </a:gradFill>
+                <a:latin typeface="Segoe UI" pitchFamily="34" charset="0"/>
+                <a:ea typeface="Segoe UI" pitchFamily="34" charset="0"/>
+                <a:cs typeface="Segoe UI" pitchFamily="34" charset="0"/>
+              </a:rPr>
+              <a:t>硬盘</a:t>
+            </a:r>
+            <a:endParaRPr lang="en-US" spc="-50" dirty="0" err="1" smtClean="0">
+              <a:gradFill>
+                <a:gsLst>
+                  <a:gs pos="0">
+                    <a:srgbClr val="FFFFFF"/>
+                  </a:gs>
+                  <a:gs pos="100000">
+                    <a:srgbClr val="FFFFFF"/>
+                  </a:gs>
+                </a:gsLst>
+                <a:lin ang="5400000" scaled="0"/>
+              </a:gradFill>
+              <a:latin typeface="Segoe UI" pitchFamily="34" charset="0"/>
+              <a:ea typeface="Segoe UI" pitchFamily="34" charset="0"/>
+              <a:cs typeface="Segoe UI" pitchFamily="34" charset="0"/>
+            </a:endParaRPr>
+          </a:p>
+        </p:txBody>
+      </p:sp>
+      <p:sp>
+        <p:nvSpPr>
+          <p:cNvPr id="17" name="Rounded Rectangle 16"/>
+          <p:cNvSpPr/>
+          <p:nvPr/>
+        </p:nvSpPr>
+        <p:spPr bwMode="auto">
+          <a:xfrm>
+            <a:off x="2958412" y="4688745"/>
+            <a:ext cx="972066" cy="535459"/>
+          </a:xfrm>
+          <a:prstGeom prst="roundRect">
+            <a:avLst/>
+          </a:prstGeom>
+          <a:solidFill>
+            <a:schemeClr val="accent6"/>
+          </a:solidFill>
+          <a:ln>
+            <a:noFill/>
+            <a:headEnd type="none" w="med" len="med"/>
+            <a:tailEnd type="none" w="med" len="med"/>
+          </a:ln>
+          <a:effectLst/>
+        </p:spPr>
+        <p:style>
+          <a:lnRef idx="1">
+            <a:schemeClr val="accent2"/>
+          </a:lnRef>
+          <a:fillRef idx="3">
+            <a:schemeClr val="accent2"/>
+          </a:fillRef>
+          <a:effectRef idx="2">
+            <a:schemeClr val="accent2"/>
+          </a:effectRef>
+          <a:fontRef idx="minor">
+            <a:schemeClr val="lt1"/>
+          </a:fontRef>
+        </p:style>
+        <p:txBody>
+          <a:bodyPr rot="0" spcFirstLastPara="0" vertOverflow="overflow" horzOverflow="overflow" vert="horz" wrap="square" lIns="91440" tIns="45720" rIns="45720" bIns="91440" numCol="1" spcCol="0" rtlCol="0" fromWordArt="0" anchor="b" anchorCtr="0" forceAA="0" compatLnSpc="1">
+            <a:prstTxWarp prst="textNoShape">
+              <a:avLst/>
+            </a:prstTxWarp>
+            <a:noAutofit/>
+          </a:bodyPr>
+          <a:lstStyle/>
+          <a:p>
+            <a:pPr algn="ctr" defTabSz="914099" fontAlgn="base">
+              <a:spcBef>
+                <a:spcPct val="0"/>
+              </a:spcBef>
+              <a:spcAft>
+                <a:spcPct val="0"/>
+              </a:spcAft>
+            </a:pPr>
+            <a:r>
+              <a:rPr lang="zh-CN" altLang="en-US" spc="-50" dirty="0" smtClean="0">
+                <a:gradFill>
+                  <a:gsLst>
+                    <a:gs pos="0">
+                      <a:srgbClr val="FFFFFF"/>
+                    </a:gs>
+                    <a:gs pos="100000">
+                      <a:srgbClr val="FFFFFF"/>
+                    </a:gs>
+                  </a:gsLst>
+                  <a:lin ang="5400000" scaled="0"/>
+                </a:gradFill>
+                <a:latin typeface="Segoe UI" pitchFamily="34" charset="0"/>
+                <a:ea typeface="Segoe UI" pitchFamily="34" charset="0"/>
+                <a:cs typeface="Segoe UI" pitchFamily="34" charset="0"/>
+              </a:rPr>
+              <a:t>显卡</a:t>
+            </a:r>
+            <a:endParaRPr lang="en-US" spc="-50" dirty="0" err="1" smtClean="0">
+              <a:gradFill>
+                <a:gsLst>
+                  <a:gs pos="0">
+                    <a:srgbClr val="FFFFFF"/>
+                  </a:gs>
+                  <a:gs pos="100000">
+                    <a:srgbClr val="FFFFFF"/>
+                  </a:gs>
+                </a:gsLst>
+                <a:lin ang="5400000" scaled="0"/>
+              </a:gradFill>
+              <a:latin typeface="Segoe UI" pitchFamily="34" charset="0"/>
+              <a:ea typeface="Segoe UI" pitchFamily="34" charset="0"/>
+              <a:cs typeface="Segoe UI" pitchFamily="34" charset="0"/>
+            </a:endParaRPr>
+          </a:p>
+        </p:txBody>
+      </p:sp>
+      <p:sp>
+        <p:nvSpPr>
+          <p:cNvPr id="18" name="Rounded Rectangle 17"/>
+          <p:cNvSpPr/>
+          <p:nvPr/>
+        </p:nvSpPr>
+        <p:spPr bwMode="auto">
+          <a:xfrm>
+            <a:off x="3943862" y="4691792"/>
+            <a:ext cx="972066" cy="535459"/>
+          </a:xfrm>
+          <a:prstGeom prst="roundRect">
+            <a:avLst/>
+          </a:prstGeom>
+          <a:solidFill>
+            <a:schemeClr val="accent6"/>
+          </a:solidFill>
+          <a:ln>
+            <a:noFill/>
+            <a:headEnd type="none" w="med" len="med"/>
+            <a:tailEnd type="none" w="med" len="med"/>
+          </a:ln>
+          <a:effectLst/>
+        </p:spPr>
+        <p:style>
+          <a:lnRef idx="1">
+            <a:schemeClr val="accent2"/>
+          </a:lnRef>
+          <a:fillRef idx="3">
+            <a:schemeClr val="accent2"/>
+          </a:fillRef>
+          <a:effectRef idx="2">
+            <a:schemeClr val="accent2"/>
+          </a:effectRef>
+          <a:fontRef idx="minor">
+            <a:schemeClr val="lt1"/>
+          </a:fontRef>
+        </p:style>
+        <p:txBody>
+          <a:bodyPr rot="0" spcFirstLastPara="0" vertOverflow="overflow" horzOverflow="overflow" vert="horz" wrap="square" lIns="91440" tIns="45720" rIns="45720" bIns="91440" numCol="1" spcCol="0" rtlCol="0" fromWordArt="0" anchor="b" anchorCtr="0" forceAA="0" compatLnSpc="1">
+            <a:prstTxWarp prst="textNoShape">
+              <a:avLst/>
+            </a:prstTxWarp>
+            <a:noAutofit/>
+          </a:bodyPr>
+          <a:lstStyle/>
+          <a:p>
+            <a:pPr algn="ctr" defTabSz="914099" fontAlgn="base">
+              <a:spcBef>
+                <a:spcPct val="0"/>
+              </a:spcBef>
+              <a:spcAft>
+                <a:spcPct val="0"/>
+              </a:spcAft>
+            </a:pPr>
+            <a:r>
+              <a:rPr lang="en-US" spc="-50" dirty="0" smtClean="0">
+                <a:gradFill>
+                  <a:gsLst>
+                    <a:gs pos="0">
+                      <a:srgbClr val="FFFFFF"/>
+                    </a:gs>
+                    <a:gs pos="100000">
+                      <a:srgbClr val="FFFFFF"/>
+                    </a:gs>
+                  </a:gsLst>
+                  <a:lin ang="5400000" scaled="0"/>
+                </a:gradFill>
+                <a:latin typeface="Segoe UI" pitchFamily="34" charset="0"/>
+                <a:ea typeface="Segoe UI" pitchFamily="34" charset="0"/>
+                <a:cs typeface="Segoe UI" pitchFamily="34" charset="0"/>
+              </a:rPr>
+              <a:t>…</a:t>
+            </a:r>
+            <a:endParaRPr lang="en-US" spc="-50" dirty="0" smtClean="0">
+              <a:gradFill>
+                <a:gsLst>
+                  <a:gs pos="0">
+                    <a:srgbClr val="FFFFFF"/>
+                  </a:gs>
+                  <a:gs pos="100000">
+                    <a:srgbClr val="FFFFFF"/>
+                  </a:gs>
+                </a:gsLst>
+                <a:lin ang="5400000" scaled="0"/>
+              </a:gradFill>
+              <a:latin typeface="Segoe UI" pitchFamily="34" charset="0"/>
+              <a:ea typeface="Segoe UI" pitchFamily="34" charset="0"/>
+              <a:cs typeface="Segoe UI" pitchFamily="34" charset="0"/>
+            </a:endParaRPr>
+          </a:p>
+        </p:txBody>
+      </p:sp>
+      <p:sp>
+        <p:nvSpPr>
+          <p:cNvPr id="19" name="Rectangle 18"/>
+          <p:cNvSpPr/>
+          <p:nvPr/>
+        </p:nvSpPr>
+        <p:spPr bwMode="auto">
+          <a:xfrm>
+            <a:off x="5849893" y="1360923"/>
+            <a:ext cx="3929449" cy="4168346"/>
+          </a:xfrm>
+          <a:prstGeom prst="rect">
+            <a:avLst/>
+          </a:prstGeom>
+          <a:solidFill>
+            <a:schemeClr val="tx1">
+              <a:lumMod val="20000"/>
+              <a:lumOff val="80000"/>
+            </a:schemeClr>
+          </a:solidFill>
+          <a:ln>
+            <a:noFill/>
+            <a:headEnd type="none" w="med" len="med"/>
+            <a:tailEnd type="none" w="med" len="med"/>
+          </a:ln>
+          <a:effectLst/>
+        </p:spPr>
+        <p:style>
+          <a:lnRef idx="1">
+            <a:schemeClr val="accent2"/>
+          </a:lnRef>
+          <a:fillRef idx="3">
+            <a:schemeClr val="accent2"/>
+          </a:fillRef>
+          <a:effectRef idx="2">
+            <a:schemeClr val="accent2"/>
+          </a:effectRef>
+          <a:fontRef idx="minor">
+            <a:schemeClr val="lt1"/>
+          </a:fontRef>
+        </p:style>
+        <p:txBody>
+          <a:bodyPr rot="0" spcFirstLastPara="0" vertOverflow="overflow" horzOverflow="overflow" vert="horz" wrap="square" lIns="91440" tIns="45720" rIns="45720" bIns="91440" numCol="1" spcCol="0" rtlCol="0" fromWordArt="0" anchor="b" anchorCtr="0" forceAA="0" compatLnSpc="1">
+            <a:prstTxWarp prst="textNoShape">
+              <a:avLst/>
+            </a:prstTxWarp>
+            <a:noAutofit/>
+          </a:bodyPr>
+          <a:lstStyle/>
+          <a:p>
+            <a:pPr algn="ctr" defTabSz="914099" fontAlgn="base">
+              <a:spcBef>
+                <a:spcPct val="0"/>
+              </a:spcBef>
+              <a:spcAft>
+                <a:spcPct val="0"/>
+              </a:spcAft>
+            </a:pPr>
+            <a:endParaRPr lang="en-US" spc="-50" dirty="0" err="1" smtClean="0">
+              <a:gradFill>
+                <a:gsLst>
+                  <a:gs pos="0">
+                    <a:srgbClr val="FFFFFF"/>
+                  </a:gs>
+                  <a:gs pos="100000">
+                    <a:srgbClr val="FFFFFF"/>
+                  </a:gs>
+                </a:gsLst>
+                <a:lin ang="5400000" scaled="0"/>
+              </a:gradFill>
+              <a:latin typeface="Segoe UI" pitchFamily="34" charset="0"/>
+              <a:ea typeface="Segoe UI" pitchFamily="34" charset="0"/>
+              <a:cs typeface="Segoe UI" pitchFamily="34" charset="0"/>
+            </a:endParaRPr>
+          </a:p>
+        </p:txBody>
+      </p:sp>
+      <p:sp>
+        <p:nvSpPr>
+          <p:cNvPr id="21" name="Rounded Rectangle 20"/>
+          <p:cNvSpPr/>
+          <p:nvPr/>
+        </p:nvSpPr>
+        <p:spPr bwMode="auto">
+          <a:xfrm>
+            <a:off x="6853879" y="1633867"/>
+            <a:ext cx="1204782" cy="436605"/>
+          </a:xfrm>
+          <a:prstGeom prst="roundRect">
+            <a:avLst/>
+          </a:prstGeom>
+          <a:solidFill>
+            <a:schemeClr val="accent6"/>
+          </a:solidFill>
+          <a:ln>
+            <a:noFill/>
+            <a:headEnd type="none" w="med" len="med"/>
+            <a:tailEnd type="none" w="med" len="med"/>
+          </a:ln>
+          <a:effectLst/>
+        </p:spPr>
+        <p:style>
+          <a:lnRef idx="1">
+            <a:schemeClr val="accent2"/>
+          </a:lnRef>
+          <a:fillRef idx="3">
+            <a:schemeClr val="accent2"/>
+          </a:fillRef>
+          <a:effectRef idx="2">
+            <a:schemeClr val="accent2"/>
+          </a:effectRef>
+          <a:fontRef idx="minor">
+            <a:schemeClr val="lt1"/>
+          </a:fontRef>
+        </p:style>
+        <p:txBody>
+          <a:bodyPr rot="0" spcFirstLastPara="0" vertOverflow="overflow" horzOverflow="overflow" vert="horz" wrap="square" lIns="91440" tIns="45720" rIns="45720" bIns="91440" numCol="1" spcCol="0" rtlCol="0" fromWordArt="0" anchor="b" anchorCtr="0" forceAA="0" compatLnSpc="1">
+            <a:prstTxWarp prst="textNoShape">
+              <a:avLst/>
+            </a:prstTxWarp>
+            <a:noAutofit/>
+          </a:bodyPr>
+          <a:lstStyle/>
+          <a:p>
+            <a:pPr algn="ctr" defTabSz="914099" fontAlgn="base">
+              <a:spcBef>
+                <a:spcPct val="0"/>
+              </a:spcBef>
+              <a:spcAft>
+                <a:spcPct val="0"/>
+              </a:spcAft>
+            </a:pPr>
+            <a:r>
+              <a:rPr lang="en-US" altLang="zh-CN" spc="-50" dirty="0" err="1" smtClean="0">
+                <a:gradFill>
+                  <a:gsLst>
+                    <a:gs pos="0">
+                      <a:srgbClr val="FFFFFF"/>
+                    </a:gs>
+                    <a:gs pos="100000">
+                      <a:srgbClr val="FFFFFF"/>
+                    </a:gs>
+                  </a:gsLst>
+                  <a:lin ang="5400000" scaled="0"/>
+                </a:gradFill>
+                <a:latin typeface="Segoe UI" pitchFamily="34" charset="0"/>
+                <a:ea typeface="Segoe UI" pitchFamily="34" charset="0"/>
+                <a:cs typeface="Segoe UI" pitchFamily="34" charset="0"/>
+              </a:rPr>
+              <a:t>Javascript</a:t>
+            </a:r>
+            <a:endParaRPr lang="en-US" spc="-50" dirty="0" smtClean="0">
+              <a:gradFill>
+                <a:gsLst>
+                  <a:gs pos="0">
+                    <a:srgbClr val="FFFFFF"/>
+                  </a:gs>
+                  <a:gs pos="100000">
+                    <a:srgbClr val="FFFFFF"/>
+                  </a:gs>
+                </a:gsLst>
+                <a:lin ang="5400000" scaled="0"/>
+              </a:gradFill>
+              <a:latin typeface="Segoe UI" pitchFamily="34" charset="0"/>
+              <a:ea typeface="Segoe UI" pitchFamily="34" charset="0"/>
+              <a:cs typeface="Segoe UI" pitchFamily="34" charset="0"/>
+            </a:endParaRPr>
+          </a:p>
+        </p:txBody>
+      </p:sp>
+      <p:sp>
+        <p:nvSpPr>
+          <p:cNvPr id="23" name="Rounded Rectangle 22"/>
+          <p:cNvSpPr/>
+          <p:nvPr/>
+        </p:nvSpPr>
+        <p:spPr bwMode="auto">
+          <a:xfrm>
+            <a:off x="6887859" y="2448928"/>
+            <a:ext cx="1170802" cy="436605"/>
+          </a:xfrm>
+          <a:prstGeom prst="roundRect">
+            <a:avLst/>
+          </a:prstGeom>
+          <a:solidFill>
+            <a:schemeClr val="accent6"/>
+          </a:solidFill>
+          <a:ln>
+            <a:noFill/>
+            <a:headEnd type="none" w="med" len="med"/>
+            <a:tailEnd type="none" w="med" len="med"/>
+          </a:ln>
+          <a:effectLst/>
+        </p:spPr>
+        <p:style>
+          <a:lnRef idx="1">
+            <a:schemeClr val="accent2"/>
+          </a:lnRef>
+          <a:fillRef idx="3">
+            <a:schemeClr val="accent2"/>
+          </a:fillRef>
+          <a:effectRef idx="2">
+            <a:schemeClr val="accent2"/>
+          </a:effectRef>
+          <a:fontRef idx="minor">
+            <a:schemeClr val="lt1"/>
+          </a:fontRef>
+        </p:style>
+        <p:txBody>
+          <a:bodyPr rot="0" spcFirstLastPara="0" vertOverflow="overflow" horzOverflow="overflow" vert="horz" wrap="square" lIns="91440" tIns="45720" rIns="45720" bIns="91440" numCol="1" spcCol="0" rtlCol="0" fromWordArt="0" anchor="b" anchorCtr="0" forceAA="0" compatLnSpc="1">
+            <a:prstTxWarp prst="textNoShape">
+              <a:avLst/>
+            </a:prstTxWarp>
+            <a:noAutofit/>
+          </a:bodyPr>
+          <a:lstStyle/>
+          <a:p>
+            <a:pPr algn="ctr" defTabSz="914099" fontAlgn="base">
+              <a:spcBef>
+                <a:spcPct val="0"/>
+              </a:spcBef>
+              <a:spcAft>
+                <a:spcPct val="0"/>
+              </a:spcAft>
+            </a:pPr>
+            <a:r>
+              <a:rPr lang="en-US" altLang="zh-CN" spc="-50" dirty="0" smtClean="0">
+                <a:gradFill>
+                  <a:gsLst>
+                    <a:gs pos="0">
+                      <a:srgbClr val="FFFFFF"/>
+                    </a:gs>
+                    <a:gs pos="100000">
+                      <a:srgbClr val="FFFFFF"/>
+                    </a:gs>
+                  </a:gsLst>
+                  <a:lin ang="5400000" scaled="0"/>
+                </a:gradFill>
+                <a:latin typeface="Segoe UI" pitchFamily="34" charset="0"/>
+                <a:ea typeface="Segoe UI" pitchFamily="34" charset="0"/>
+                <a:cs typeface="Segoe UI" pitchFamily="34" charset="0"/>
+              </a:rPr>
+              <a:t>V8</a:t>
+            </a:r>
+            <a:endParaRPr lang="en-US" spc="-50" dirty="0" smtClean="0">
+              <a:gradFill>
+                <a:gsLst>
+                  <a:gs pos="0">
+                    <a:srgbClr val="FFFFFF"/>
+                  </a:gs>
+                  <a:gs pos="100000">
+                    <a:srgbClr val="FFFFFF"/>
+                  </a:gs>
+                </a:gsLst>
+                <a:lin ang="5400000" scaled="0"/>
+              </a:gradFill>
+              <a:latin typeface="Segoe UI" pitchFamily="34" charset="0"/>
+              <a:ea typeface="Segoe UI" pitchFamily="34" charset="0"/>
+              <a:cs typeface="Segoe UI" pitchFamily="34" charset="0"/>
+            </a:endParaRPr>
+          </a:p>
+        </p:txBody>
+      </p:sp>
+      <p:sp>
+        <p:nvSpPr>
+          <p:cNvPr id="24" name="Rounded Rectangle 23"/>
+          <p:cNvSpPr/>
+          <p:nvPr/>
+        </p:nvSpPr>
+        <p:spPr bwMode="auto">
+          <a:xfrm>
+            <a:off x="5976552" y="3331669"/>
+            <a:ext cx="3326025" cy="584886"/>
+          </a:xfrm>
+          <a:prstGeom prst="roundRect">
+            <a:avLst/>
+          </a:prstGeom>
+          <a:solidFill>
+            <a:schemeClr val="accent6"/>
+          </a:solidFill>
+          <a:ln>
+            <a:noFill/>
+            <a:headEnd type="none" w="med" len="med"/>
+            <a:tailEnd type="none" w="med" len="med"/>
+          </a:ln>
+          <a:effectLst/>
+        </p:spPr>
+        <p:style>
+          <a:lnRef idx="1">
+            <a:schemeClr val="accent2"/>
+          </a:lnRef>
+          <a:fillRef idx="3">
+            <a:schemeClr val="accent2"/>
+          </a:fillRef>
+          <a:effectRef idx="2">
+            <a:schemeClr val="accent2"/>
+          </a:effectRef>
+          <a:fontRef idx="minor">
+            <a:schemeClr val="lt1"/>
+          </a:fontRef>
+        </p:style>
+        <p:txBody>
+          <a:bodyPr rot="0" spcFirstLastPara="0" vertOverflow="overflow" horzOverflow="overflow" vert="horz" wrap="square" lIns="91440" tIns="45720" rIns="45720" bIns="91440" numCol="1" spcCol="0" rtlCol="0" fromWordArt="0" anchor="b" anchorCtr="0" forceAA="0" compatLnSpc="1">
+            <a:prstTxWarp prst="textNoShape">
+              <a:avLst/>
+            </a:prstTxWarp>
+            <a:noAutofit/>
+          </a:bodyPr>
+          <a:lstStyle/>
+          <a:p>
+            <a:pPr algn="ctr" defTabSz="914099" fontAlgn="base">
+              <a:spcBef>
+                <a:spcPct val="0"/>
+              </a:spcBef>
+              <a:spcAft>
+                <a:spcPct val="0"/>
+              </a:spcAft>
+            </a:pPr>
+            <a:r>
+              <a:rPr lang="zh-CN" altLang="en-US" spc="-50" dirty="0" smtClean="0">
+                <a:gradFill>
+                  <a:gsLst>
+                    <a:gs pos="0">
+                      <a:srgbClr val="FFFFFF"/>
+                    </a:gs>
+                    <a:gs pos="100000">
+                      <a:srgbClr val="FFFFFF"/>
+                    </a:gs>
+                  </a:gsLst>
+                  <a:lin ang="5400000" scaled="0"/>
+                </a:gradFill>
+                <a:latin typeface="Segoe UI" pitchFamily="34" charset="0"/>
+                <a:ea typeface="Segoe UI" pitchFamily="34" charset="0"/>
+                <a:cs typeface="Segoe UI" pitchFamily="34" charset="0"/>
+              </a:rPr>
+              <a:t>中间层</a:t>
+            </a:r>
+            <a:r>
+              <a:rPr lang="en-US" altLang="zh-CN" spc="-50" dirty="0" smtClean="0">
+                <a:gradFill>
+                  <a:gsLst>
+                    <a:gs pos="0">
+                      <a:srgbClr val="FFFFFF"/>
+                    </a:gs>
+                    <a:gs pos="100000">
+                      <a:srgbClr val="FFFFFF"/>
+                    </a:gs>
+                  </a:gsLst>
+                  <a:lin ang="5400000" scaled="0"/>
+                </a:gradFill>
+                <a:latin typeface="Segoe UI" pitchFamily="34" charset="0"/>
+                <a:ea typeface="Segoe UI" pitchFamily="34" charset="0"/>
+                <a:cs typeface="Segoe UI" pitchFamily="34" charset="0"/>
+              </a:rPr>
+              <a:t>(</a:t>
+            </a:r>
+            <a:r>
+              <a:rPr lang="en-US" altLang="zh-CN" spc="-50" dirty="0" err="1" smtClean="0">
+                <a:gradFill>
+                  <a:gsLst>
+                    <a:gs pos="0">
+                      <a:srgbClr val="FFFFFF"/>
+                    </a:gs>
+                    <a:gs pos="100000">
+                      <a:srgbClr val="FFFFFF"/>
+                    </a:gs>
+                  </a:gsLst>
+                  <a:lin ang="5400000" scaled="0"/>
+                </a:gradFill>
+                <a:latin typeface="Segoe UI" pitchFamily="34" charset="0"/>
+                <a:ea typeface="Segoe UI" pitchFamily="34" charset="0"/>
+                <a:cs typeface="Segoe UI" pitchFamily="34" charset="0"/>
+              </a:rPr>
+              <a:t>libuv</a:t>
+            </a:r>
+            <a:r>
+              <a:rPr lang="en-US" altLang="zh-CN" spc="-50" dirty="0" smtClean="0">
+                <a:gradFill>
+                  <a:gsLst>
+                    <a:gs pos="0">
+                      <a:srgbClr val="FFFFFF"/>
+                    </a:gs>
+                    <a:gs pos="100000">
+                      <a:srgbClr val="FFFFFF"/>
+                    </a:gs>
+                  </a:gsLst>
+                  <a:lin ang="5400000" scaled="0"/>
+                </a:gradFill>
+                <a:latin typeface="Segoe UI" pitchFamily="34" charset="0"/>
+                <a:ea typeface="Segoe UI" pitchFamily="34" charset="0"/>
+                <a:cs typeface="Segoe UI" pitchFamily="34" charset="0"/>
+              </a:rPr>
+              <a:t>)</a:t>
+            </a:r>
+            <a:endParaRPr lang="en-US" spc="-50" dirty="0" smtClean="0">
+              <a:gradFill>
+                <a:gsLst>
+                  <a:gs pos="0">
+                    <a:srgbClr val="FFFFFF"/>
+                  </a:gs>
+                  <a:gs pos="100000">
+                    <a:srgbClr val="FFFFFF"/>
+                  </a:gs>
+                </a:gsLst>
+                <a:lin ang="5400000" scaled="0"/>
+              </a:gradFill>
+              <a:latin typeface="Segoe UI" pitchFamily="34" charset="0"/>
+              <a:ea typeface="Segoe UI" pitchFamily="34" charset="0"/>
+              <a:cs typeface="Segoe UI" pitchFamily="34" charset="0"/>
+            </a:endParaRPr>
+          </a:p>
+        </p:txBody>
+      </p:sp>
+      <p:sp>
+        <p:nvSpPr>
+          <p:cNvPr id="25" name="Rounded Rectangle 24"/>
+          <p:cNvSpPr/>
+          <p:nvPr/>
+        </p:nvSpPr>
+        <p:spPr bwMode="auto">
+          <a:xfrm>
+            <a:off x="5844746" y="4688745"/>
+            <a:ext cx="972066" cy="535459"/>
+          </a:xfrm>
+          <a:prstGeom prst="roundRect">
+            <a:avLst/>
+          </a:prstGeom>
+          <a:solidFill>
+            <a:schemeClr val="accent6"/>
+          </a:solidFill>
+          <a:ln>
+            <a:noFill/>
+            <a:headEnd type="none" w="med" len="med"/>
+            <a:tailEnd type="none" w="med" len="med"/>
+          </a:ln>
+          <a:effectLst/>
+        </p:spPr>
+        <p:style>
+          <a:lnRef idx="1">
+            <a:schemeClr val="accent2"/>
+          </a:lnRef>
+          <a:fillRef idx="3">
+            <a:schemeClr val="accent2"/>
+          </a:fillRef>
+          <a:effectRef idx="2">
+            <a:schemeClr val="accent2"/>
+          </a:effectRef>
+          <a:fontRef idx="minor">
+            <a:schemeClr val="lt1"/>
+          </a:fontRef>
+        </p:style>
+        <p:txBody>
+          <a:bodyPr rot="0" spcFirstLastPara="0" vertOverflow="overflow" horzOverflow="overflow" vert="horz" wrap="square" lIns="91440" tIns="45720" rIns="45720" bIns="91440" numCol="1" spcCol="0" rtlCol="0" fromWordArt="0" anchor="b" anchorCtr="0" forceAA="0" compatLnSpc="1">
+            <a:prstTxWarp prst="textNoShape">
+              <a:avLst/>
+            </a:prstTxWarp>
+            <a:noAutofit/>
+          </a:bodyPr>
+          <a:lstStyle/>
+          <a:p>
+            <a:pPr algn="ctr" defTabSz="914099" fontAlgn="base">
+              <a:spcBef>
+                <a:spcPct val="0"/>
+              </a:spcBef>
+              <a:spcAft>
+                <a:spcPct val="0"/>
+              </a:spcAft>
+            </a:pPr>
+            <a:r>
+              <a:rPr lang="zh-CN" altLang="en-US" spc="-50" dirty="0" smtClean="0">
+                <a:gradFill>
+                  <a:gsLst>
+                    <a:gs pos="0">
+                      <a:srgbClr val="FFFFFF"/>
+                    </a:gs>
+                    <a:gs pos="100000">
+                      <a:srgbClr val="FFFFFF"/>
+                    </a:gs>
+                  </a:gsLst>
+                  <a:lin ang="5400000" scaled="0"/>
+                </a:gradFill>
+                <a:latin typeface="Segoe UI" pitchFamily="34" charset="0"/>
+                <a:ea typeface="Segoe UI" pitchFamily="34" charset="0"/>
+                <a:cs typeface="Segoe UI" pitchFamily="34" charset="0"/>
+              </a:rPr>
+              <a:t>网卡</a:t>
+            </a:r>
+            <a:endParaRPr lang="en-US" spc="-50" dirty="0" err="1" smtClean="0">
+              <a:gradFill>
+                <a:gsLst>
+                  <a:gs pos="0">
+                    <a:srgbClr val="FFFFFF"/>
+                  </a:gs>
+                  <a:gs pos="100000">
+                    <a:srgbClr val="FFFFFF"/>
+                  </a:gs>
+                </a:gsLst>
+                <a:lin ang="5400000" scaled="0"/>
+              </a:gradFill>
+              <a:latin typeface="Segoe UI" pitchFamily="34" charset="0"/>
+              <a:ea typeface="Segoe UI" pitchFamily="34" charset="0"/>
+              <a:cs typeface="Segoe UI" pitchFamily="34" charset="0"/>
+            </a:endParaRPr>
+          </a:p>
+        </p:txBody>
+      </p:sp>
+      <p:sp>
+        <p:nvSpPr>
+          <p:cNvPr id="26" name="Rounded Rectangle 25"/>
+          <p:cNvSpPr/>
+          <p:nvPr/>
+        </p:nvSpPr>
+        <p:spPr bwMode="auto">
+          <a:xfrm>
+            <a:off x="6827108" y="4688745"/>
+            <a:ext cx="972066" cy="535459"/>
+          </a:xfrm>
+          <a:prstGeom prst="roundRect">
+            <a:avLst/>
+          </a:prstGeom>
+          <a:solidFill>
+            <a:schemeClr val="accent6"/>
+          </a:solidFill>
+          <a:ln>
+            <a:noFill/>
+            <a:headEnd type="none" w="med" len="med"/>
+            <a:tailEnd type="none" w="med" len="med"/>
+          </a:ln>
+          <a:effectLst/>
+        </p:spPr>
+        <p:style>
+          <a:lnRef idx="1">
+            <a:schemeClr val="accent2"/>
+          </a:lnRef>
+          <a:fillRef idx="3">
+            <a:schemeClr val="accent2"/>
+          </a:fillRef>
+          <a:effectRef idx="2">
+            <a:schemeClr val="accent2"/>
+          </a:effectRef>
+          <a:fontRef idx="minor">
+            <a:schemeClr val="lt1"/>
+          </a:fontRef>
+        </p:style>
+        <p:txBody>
+          <a:bodyPr rot="0" spcFirstLastPara="0" vertOverflow="overflow" horzOverflow="overflow" vert="horz" wrap="square" lIns="91440" tIns="45720" rIns="45720" bIns="91440" numCol="1" spcCol="0" rtlCol="0" fromWordArt="0" anchor="b" anchorCtr="0" forceAA="0" compatLnSpc="1">
+            <a:prstTxWarp prst="textNoShape">
+              <a:avLst/>
+            </a:prstTxWarp>
+            <a:noAutofit/>
+          </a:bodyPr>
+          <a:lstStyle/>
+          <a:p>
+            <a:pPr algn="ctr" defTabSz="914099" fontAlgn="base">
+              <a:spcBef>
+                <a:spcPct val="0"/>
+              </a:spcBef>
+              <a:spcAft>
+                <a:spcPct val="0"/>
+              </a:spcAft>
+            </a:pPr>
+            <a:r>
+              <a:rPr lang="zh-CN" altLang="en-US" spc="-50" dirty="0" smtClean="0">
+                <a:gradFill>
+                  <a:gsLst>
+                    <a:gs pos="0">
+                      <a:srgbClr val="FFFFFF"/>
+                    </a:gs>
+                    <a:gs pos="100000">
+                      <a:srgbClr val="FFFFFF"/>
+                    </a:gs>
+                  </a:gsLst>
+                  <a:lin ang="5400000" scaled="0"/>
+                </a:gradFill>
+                <a:latin typeface="Segoe UI" pitchFamily="34" charset="0"/>
+                <a:ea typeface="Segoe UI" pitchFamily="34" charset="0"/>
+                <a:cs typeface="Segoe UI" pitchFamily="34" charset="0"/>
+              </a:rPr>
+              <a:t>硬盘</a:t>
+            </a:r>
+            <a:endParaRPr lang="en-US" spc="-50" dirty="0" err="1" smtClean="0">
+              <a:gradFill>
+                <a:gsLst>
+                  <a:gs pos="0">
+                    <a:srgbClr val="FFFFFF"/>
+                  </a:gs>
+                  <a:gs pos="100000">
+                    <a:srgbClr val="FFFFFF"/>
+                  </a:gs>
+                </a:gsLst>
+                <a:lin ang="5400000" scaled="0"/>
+              </a:gradFill>
+              <a:latin typeface="Segoe UI" pitchFamily="34" charset="0"/>
+              <a:ea typeface="Segoe UI" pitchFamily="34" charset="0"/>
+              <a:cs typeface="Segoe UI" pitchFamily="34" charset="0"/>
+            </a:endParaRPr>
+          </a:p>
+        </p:txBody>
+      </p:sp>
+      <p:sp>
+        <p:nvSpPr>
+          <p:cNvPr id="27" name="Rounded Rectangle 26"/>
+          <p:cNvSpPr/>
+          <p:nvPr/>
+        </p:nvSpPr>
+        <p:spPr bwMode="auto">
+          <a:xfrm>
+            <a:off x="7814618" y="4688745"/>
+            <a:ext cx="972066" cy="535459"/>
+          </a:xfrm>
+          <a:prstGeom prst="roundRect">
+            <a:avLst/>
+          </a:prstGeom>
+          <a:solidFill>
+            <a:schemeClr val="accent6"/>
+          </a:solidFill>
+          <a:ln>
+            <a:noFill/>
+            <a:headEnd type="none" w="med" len="med"/>
+            <a:tailEnd type="none" w="med" len="med"/>
+          </a:ln>
+          <a:effectLst/>
+        </p:spPr>
+        <p:style>
+          <a:lnRef idx="1">
+            <a:schemeClr val="accent2"/>
+          </a:lnRef>
+          <a:fillRef idx="3">
+            <a:schemeClr val="accent2"/>
+          </a:fillRef>
+          <a:effectRef idx="2">
+            <a:schemeClr val="accent2"/>
+          </a:effectRef>
+          <a:fontRef idx="minor">
+            <a:schemeClr val="lt1"/>
+          </a:fontRef>
+        </p:style>
+        <p:txBody>
+          <a:bodyPr rot="0" spcFirstLastPara="0" vertOverflow="overflow" horzOverflow="overflow" vert="horz" wrap="square" lIns="91440" tIns="45720" rIns="45720" bIns="91440" numCol="1" spcCol="0" rtlCol="0" fromWordArt="0" anchor="b" anchorCtr="0" forceAA="0" compatLnSpc="1">
+            <a:prstTxWarp prst="textNoShape">
+              <a:avLst/>
+            </a:prstTxWarp>
+            <a:noAutofit/>
+          </a:bodyPr>
+          <a:lstStyle/>
+          <a:p>
+            <a:pPr algn="ctr" defTabSz="914099" fontAlgn="base">
+              <a:spcBef>
+                <a:spcPct val="0"/>
+              </a:spcBef>
+              <a:spcAft>
+                <a:spcPct val="0"/>
+              </a:spcAft>
+            </a:pPr>
+            <a:r>
+              <a:rPr lang="zh-CN" altLang="en-US" spc="-50" dirty="0" smtClean="0">
+                <a:gradFill>
+                  <a:gsLst>
+                    <a:gs pos="0">
+                      <a:srgbClr val="FFFFFF"/>
+                    </a:gs>
+                    <a:gs pos="100000">
+                      <a:srgbClr val="FFFFFF"/>
+                    </a:gs>
+                  </a:gsLst>
+                  <a:lin ang="5400000" scaled="0"/>
+                </a:gradFill>
+                <a:latin typeface="Segoe UI" pitchFamily="34" charset="0"/>
+                <a:ea typeface="Segoe UI" pitchFamily="34" charset="0"/>
+                <a:cs typeface="Segoe UI" pitchFamily="34" charset="0"/>
+              </a:rPr>
+              <a:t>显卡</a:t>
+            </a:r>
+            <a:endParaRPr lang="en-US" spc="-50" dirty="0" err="1" smtClean="0">
+              <a:gradFill>
+                <a:gsLst>
+                  <a:gs pos="0">
+                    <a:srgbClr val="FFFFFF"/>
+                  </a:gs>
+                  <a:gs pos="100000">
+                    <a:srgbClr val="FFFFFF"/>
+                  </a:gs>
+                </a:gsLst>
+                <a:lin ang="5400000" scaled="0"/>
+              </a:gradFill>
+              <a:latin typeface="Segoe UI" pitchFamily="34" charset="0"/>
+              <a:ea typeface="Segoe UI" pitchFamily="34" charset="0"/>
+              <a:cs typeface="Segoe UI" pitchFamily="34" charset="0"/>
+            </a:endParaRPr>
+          </a:p>
+        </p:txBody>
+      </p:sp>
+      <p:sp>
+        <p:nvSpPr>
+          <p:cNvPr id="28" name="Rounded Rectangle 27"/>
+          <p:cNvSpPr/>
+          <p:nvPr/>
+        </p:nvSpPr>
+        <p:spPr bwMode="auto">
+          <a:xfrm>
+            <a:off x="8808306" y="4691792"/>
+            <a:ext cx="972066" cy="535459"/>
+          </a:xfrm>
+          <a:prstGeom prst="roundRect">
+            <a:avLst/>
+          </a:prstGeom>
+          <a:solidFill>
+            <a:schemeClr val="accent6"/>
+          </a:solidFill>
+          <a:ln>
+            <a:noFill/>
+            <a:headEnd type="none" w="med" len="med"/>
+            <a:tailEnd type="none" w="med" len="med"/>
+          </a:ln>
+          <a:effectLst/>
+        </p:spPr>
+        <p:style>
+          <a:lnRef idx="1">
+            <a:schemeClr val="accent2"/>
+          </a:lnRef>
+          <a:fillRef idx="3">
+            <a:schemeClr val="accent2"/>
+          </a:fillRef>
+          <a:effectRef idx="2">
+            <a:schemeClr val="accent2"/>
+          </a:effectRef>
+          <a:fontRef idx="minor">
+            <a:schemeClr val="lt1"/>
+          </a:fontRef>
+        </p:style>
+        <p:txBody>
+          <a:bodyPr rot="0" spcFirstLastPara="0" vertOverflow="overflow" horzOverflow="overflow" vert="horz" wrap="square" lIns="91440" tIns="45720" rIns="45720" bIns="91440" numCol="1" spcCol="0" rtlCol="0" fromWordArt="0" anchor="b" anchorCtr="0" forceAA="0" compatLnSpc="1">
+            <a:prstTxWarp prst="textNoShape">
+              <a:avLst/>
+            </a:prstTxWarp>
+            <a:noAutofit/>
+          </a:bodyPr>
+          <a:lstStyle/>
+          <a:p>
+            <a:pPr algn="ctr" defTabSz="914099" fontAlgn="base">
+              <a:spcBef>
+                <a:spcPct val="0"/>
+              </a:spcBef>
+              <a:spcAft>
+                <a:spcPct val="0"/>
+              </a:spcAft>
+            </a:pPr>
+            <a:r>
+              <a:rPr lang="en-US" spc="-50" dirty="0" smtClean="0">
+                <a:gradFill>
+                  <a:gsLst>
+                    <a:gs pos="0">
+                      <a:srgbClr val="FFFFFF"/>
+                    </a:gs>
+                    <a:gs pos="100000">
+                      <a:srgbClr val="FFFFFF"/>
+                    </a:gs>
+                  </a:gsLst>
+                  <a:lin ang="5400000" scaled="0"/>
+                </a:gradFill>
+                <a:latin typeface="Segoe UI" pitchFamily="34" charset="0"/>
+                <a:ea typeface="Segoe UI" pitchFamily="34" charset="0"/>
+                <a:cs typeface="Segoe UI" pitchFamily="34" charset="0"/>
+              </a:rPr>
+              <a:t>…</a:t>
+            </a:r>
+            <a:endParaRPr lang="en-US" spc="-50" dirty="0" smtClean="0">
+              <a:gradFill>
+                <a:gsLst>
+                  <a:gs pos="0">
+                    <a:srgbClr val="FFFFFF"/>
+                  </a:gs>
+                  <a:gs pos="100000">
+                    <a:srgbClr val="FFFFFF"/>
+                  </a:gs>
+                </a:gsLst>
+                <a:lin ang="5400000" scaled="0"/>
+              </a:gradFill>
+              <a:latin typeface="Segoe UI" pitchFamily="34" charset="0"/>
+              <a:ea typeface="Segoe UI" pitchFamily="34" charset="0"/>
+              <a:cs typeface="Segoe UI" pitchFamily="34" charset="0"/>
+            </a:endParaRPr>
+          </a:p>
+        </p:txBody>
+      </p:sp>
+    </p:spTree>
+    <p:extLst>
+      <p:ext uri="{BB962C8B-B14F-4D97-AF65-F5344CB8AC3E}">
+        <p14:creationId xmlns:p14="http://schemas.microsoft.com/office/powerpoint/2010/main" val="2291346324"/>
+      </p:ext>
+    </p:extLst>
+  </p:cSld>
+  <p:clrMapOvr>
+    <a:masterClrMapping/>
+  </p:clrMapOvr>
+  <p:transition>
+    <p:fade/>
+  </p:transition>
+</p:sld>
+</file>
+
+<file path=ppt/slides/slide3.xml><?xml version="1.0" encoding="utf-8"?>
+<p:sld xmlns:a="http://schemas.openxmlformats.org/drawingml/2006/main" xmlns:r="http://schemas.openxmlformats.org/officeDocument/2006/relationships" xmlns:p="http://schemas.openxmlformats.org/presentationml/2006/main">
+  <p:cSld>
+    <p:spTree>
+      <p:nvGrpSpPr>
+        <p:cNvPr id="1" name=""/>
+        <p:cNvGrpSpPr/>
+        <p:nvPr/>
+      </p:nvGrpSpPr>
+      <p:grpSpPr>
+        <a:xfrm>
+          <a:off x="0" y="0"/>
+          <a:ext cx="0" cy="0"/>
+          <a:chOff x="0" y="0"/>
+          <a:chExt cx="0" cy="0"/>
+        </a:xfrm>
+      </p:grpSpPr>
+      <p:sp>
+        <p:nvSpPr>
+          <p:cNvPr id="2" name="Title 1"/>
+          <p:cNvSpPr>
+            <a:spLocks noGrp="1"/>
+          </p:cNvSpPr>
+          <p:nvPr>
+            <p:ph type="title"/>
+          </p:nvPr>
+        </p:nvSpPr>
+        <p:spPr>
+          <a:xfrm>
+            <a:off x="519248" y="228601"/>
+            <a:ext cx="11151917" cy="1495794"/>
+          </a:xfrm>
+        </p:spPr>
+        <p:txBody>
+          <a:bodyPr/>
+          <a:lstStyle/>
+          <a:p>
+            <a:r>
+              <a:rPr lang="en-US" dirty="0" smtClean="0"/>
+              <a:t>               Node</a:t>
+            </a:r>
+            <a:r>
+              <a:rPr lang="en-US" dirty="0"/>
+              <a:t>&amp;</a:t>
+            </a:r>
+            <a:r>
+              <a:rPr lang="zh-CN" altLang="en-US" dirty="0" smtClean="0"/>
+              <a:t>浏览器</a:t>
+            </a:r>
+            <a:r>
+              <a:rPr lang="en-US" altLang="zh-CN" dirty="0" smtClean="0"/>
+              <a:t>&amp;W3c&amp;CommonJS,&amp;ECMASCRIPT</a:t>
+            </a:r>
+            <a:endParaRPr lang="en-US" dirty="0"/>
+          </a:p>
+        </p:txBody>
+      </p:sp>
+      <p:sp>
+        <p:nvSpPr>
+          <p:cNvPr id="3" name="Rounded Rectangle 2"/>
+          <p:cNvSpPr/>
+          <p:nvPr/>
+        </p:nvSpPr>
+        <p:spPr bwMode="auto">
+          <a:xfrm>
+            <a:off x="311376" y="2907956"/>
+            <a:ext cx="963827" cy="551935"/>
+          </a:xfrm>
+          <a:prstGeom prst="roundRect">
+            <a:avLst/>
+          </a:prstGeom>
+          <a:solidFill>
+            <a:schemeClr val="accent6"/>
+          </a:solidFill>
+          <a:ln>
+            <a:noFill/>
+            <a:headEnd type="none" w="med" len="med"/>
+            <a:tailEnd type="none" w="med" len="med"/>
+          </a:ln>
+          <a:effectLst/>
+        </p:spPr>
+        <p:style>
+          <a:lnRef idx="1">
+            <a:schemeClr val="accent2"/>
+          </a:lnRef>
+          <a:fillRef idx="3">
+            <a:schemeClr val="accent2"/>
+          </a:fillRef>
+          <a:effectRef idx="2">
+            <a:schemeClr val="accent2"/>
+          </a:effectRef>
+          <a:fontRef idx="minor">
+            <a:schemeClr val="lt1"/>
+          </a:fontRef>
+        </p:style>
+        <p:txBody>
+          <a:bodyPr rot="0" spcFirstLastPara="0" vertOverflow="overflow" horzOverflow="overflow" vert="horz" wrap="square" lIns="91440" tIns="45720" rIns="45720" bIns="91440" numCol="1" spcCol="0" rtlCol="0" fromWordArt="0" anchor="b" anchorCtr="0" forceAA="0" compatLnSpc="1">
+            <a:prstTxWarp prst="textNoShape">
+              <a:avLst/>
+            </a:prstTxWarp>
+            <a:noAutofit/>
+          </a:bodyPr>
+          <a:lstStyle/>
+          <a:p>
+            <a:pPr algn="ctr" defTabSz="914099" fontAlgn="base">
+              <a:spcBef>
+                <a:spcPct val="0"/>
+              </a:spcBef>
+              <a:spcAft>
+                <a:spcPct val="0"/>
+              </a:spcAft>
+            </a:pPr>
+            <a:r>
+              <a:rPr lang="en-US" spc="-50" dirty="0" smtClean="0">
+                <a:gradFill>
+                  <a:gsLst>
+                    <a:gs pos="0">
+                      <a:srgbClr val="FFFFFF"/>
+                    </a:gs>
+                    <a:gs pos="100000">
+                      <a:srgbClr val="FFFFFF"/>
+                    </a:gs>
+                  </a:gsLst>
+                  <a:lin ang="5400000" scaled="0"/>
+                </a:gradFill>
+                <a:latin typeface="Segoe UI" pitchFamily="34" charset="0"/>
+                <a:ea typeface="Segoe UI" pitchFamily="34" charset="0"/>
+                <a:cs typeface="Segoe UI" pitchFamily="34" charset="0"/>
+              </a:rPr>
+              <a:t>BOM</a:t>
+            </a:r>
+            <a:endParaRPr lang="en-US" spc="-50" dirty="0" smtClean="0">
+              <a:gradFill>
+                <a:gsLst>
+                  <a:gs pos="0">
+                    <a:srgbClr val="FFFFFF"/>
+                  </a:gs>
+                  <a:gs pos="100000">
+                    <a:srgbClr val="FFFFFF"/>
+                  </a:gs>
+                </a:gsLst>
+                <a:lin ang="5400000" scaled="0"/>
+              </a:gradFill>
+              <a:latin typeface="Segoe UI" pitchFamily="34" charset="0"/>
+              <a:ea typeface="Segoe UI" pitchFamily="34" charset="0"/>
+              <a:cs typeface="Segoe UI" pitchFamily="34" charset="0"/>
+            </a:endParaRPr>
+          </a:p>
+        </p:txBody>
+      </p:sp>
+      <p:sp>
+        <p:nvSpPr>
+          <p:cNvPr id="4" name="Rounded Rectangle 3"/>
+          <p:cNvSpPr/>
+          <p:nvPr/>
+        </p:nvSpPr>
+        <p:spPr bwMode="auto">
+          <a:xfrm>
+            <a:off x="7012447" y="2907949"/>
+            <a:ext cx="963827" cy="551935"/>
+          </a:xfrm>
+          <a:prstGeom prst="roundRect">
+            <a:avLst/>
+          </a:prstGeom>
+          <a:solidFill>
+            <a:schemeClr val="accent6"/>
+          </a:solidFill>
+          <a:ln>
+            <a:noFill/>
+            <a:headEnd type="none" w="med" len="med"/>
+            <a:tailEnd type="none" w="med" len="med"/>
+          </a:ln>
+          <a:effectLst/>
+        </p:spPr>
+        <p:style>
+          <a:lnRef idx="1">
+            <a:schemeClr val="accent2"/>
+          </a:lnRef>
+          <a:fillRef idx="3">
+            <a:schemeClr val="accent2"/>
+          </a:fillRef>
+          <a:effectRef idx="2">
+            <a:schemeClr val="accent2"/>
+          </a:effectRef>
+          <a:fontRef idx="minor">
+            <a:schemeClr val="lt1"/>
+          </a:fontRef>
+        </p:style>
+        <p:txBody>
+          <a:bodyPr rot="0" spcFirstLastPara="0" vertOverflow="overflow" horzOverflow="overflow" vert="horz" wrap="square" lIns="91440" tIns="45720" rIns="45720" bIns="91440" numCol="1" spcCol="0" rtlCol="0" fromWordArt="0" anchor="b" anchorCtr="0" forceAA="0" compatLnSpc="1">
+            <a:prstTxWarp prst="textNoShape">
+              <a:avLst/>
+            </a:prstTxWarp>
+            <a:noAutofit/>
+          </a:bodyPr>
+          <a:lstStyle/>
+          <a:p>
+            <a:pPr algn="ctr" defTabSz="914099" fontAlgn="base">
+              <a:spcBef>
+                <a:spcPct val="0"/>
+              </a:spcBef>
+              <a:spcAft>
+                <a:spcPct val="0"/>
+              </a:spcAft>
+            </a:pPr>
+            <a:r>
+              <a:rPr lang="en-US" spc="-50" dirty="0" smtClean="0">
+                <a:gradFill>
+                  <a:gsLst>
+                    <a:gs pos="0">
+                      <a:srgbClr val="FFFFFF"/>
+                    </a:gs>
+                    <a:gs pos="100000">
+                      <a:srgbClr val="FFFFFF"/>
+                    </a:gs>
+                  </a:gsLst>
+                  <a:lin ang="5400000" scaled="0"/>
+                </a:gradFill>
+                <a:latin typeface="Segoe UI" pitchFamily="34" charset="0"/>
+                <a:ea typeface="Segoe UI" pitchFamily="34" charset="0"/>
+                <a:cs typeface="Segoe UI" pitchFamily="34" charset="0"/>
+              </a:rPr>
+              <a:t>Stream</a:t>
+            </a:r>
+            <a:endParaRPr lang="en-US" spc="-50" dirty="0" smtClean="0">
+              <a:gradFill>
+                <a:gsLst>
+                  <a:gs pos="0">
+                    <a:srgbClr val="FFFFFF"/>
+                  </a:gs>
+                  <a:gs pos="100000">
+                    <a:srgbClr val="FFFFFF"/>
+                  </a:gs>
+                </a:gsLst>
+                <a:lin ang="5400000" scaled="0"/>
+              </a:gradFill>
+              <a:latin typeface="Segoe UI" pitchFamily="34" charset="0"/>
+              <a:ea typeface="Segoe UI" pitchFamily="34" charset="0"/>
+              <a:cs typeface="Segoe UI" pitchFamily="34" charset="0"/>
+            </a:endParaRPr>
+          </a:p>
+        </p:txBody>
+      </p:sp>
+      <p:sp>
+        <p:nvSpPr>
+          <p:cNvPr id="5" name="Rounded Rectangle 4"/>
+          <p:cNvSpPr/>
+          <p:nvPr/>
+        </p:nvSpPr>
+        <p:spPr bwMode="auto">
+          <a:xfrm>
+            <a:off x="1677004" y="2907947"/>
+            <a:ext cx="963827" cy="551935"/>
+          </a:xfrm>
+          <a:prstGeom prst="roundRect">
+            <a:avLst/>
+          </a:prstGeom>
+          <a:solidFill>
+            <a:schemeClr val="accent6"/>
+          </a:solidFill>
+          <a:ln>
+            <a:noFill/>
+            <a:headEnd type="none" w="med" len="med"/>
+            <a:tailEnd type="none" w="med" len="med"/>
+          </a:ln>
+          <a:effectLst/>
+        </p:spPr>
+        <p:style>
+          <a:lnRef idx="1">
+            <a:schemeClr val="accent2"/>
+          </a:lnRef>
+          <a:fillRef idx="3">
+            <a:schemeClr val="accent2"/>
+          </a:fillRef>
+          <a:effectRef idx="2">
+            <a:schemeClr val="accent2"/>
+          </a:effectRef>
+          <a:fontRef idx="minor">
+            <a:schemeClr val="lt1"/>
+          </a:fontRef>
+        </p:style>
+        <p:txBody>
+          <a:bodyPr rot="0" spcFirstLastPara="0" vertOverflow="overflow" horzOverflow="overflow" vert="horz" wrap="square" lIns="91440" tIns="45720" rIns="45720" bIns="91440" numCol="1" spcCol="0" rtlCol="0" fromWordArt="0" anchor="b" anchorCtr="0" forceAA="0" compatLnSpc="1">
+            <a:prstTxWarp prst="textNoShape">
+              <a:avLst/>
+            </a:prstTxWarp>
+            <a:noAutofit/>
+          </a:bodyPr>
+          <a:lstStyle/>
+          <a:p>
+            <a:pPr algn="ctr" defTabSz="914099" fontAlgn="base">
+              <a:spcBef>
+                <a:spcPct val="0"/>
+              </a:spcBef>
+              <a:spcAft>
+                <a:spcPct val="0"/>
+              </a:spcAft>
+            </a:pPr>
+            <a:r>
+              <a:rPr lang="en-US" spc="-50" dirty="0" smtClean="0">
+                <a:gradFill>
+                  <a:gsLst>
+                    <a:gs pos="0">
+                      <a:srgbClr val="FFFFFF"/>
+                    </a:gs>
+                    <a:gs pos="100000">
+                      <a:srgbClr val="FFFFFF"/>
+                    </a:gs>
+                  </a:gsLst>
+                  <a:lin ang="5400000" scaled="0"/>
+                </a:gradFill>
+                <a:latin typeface="Segoe UI" pitchFamily="34" charset="0"/>
+                <a:ea typeface="Segoe UI" pitchFamily="34" charset="0"/>
+                <a:cs typeface="Segoe UI" pitchFamily="34" charset="0"/>
+              </a:rPr>
+              <a:t>DOM</a:t>
+            </a:r>
+            <a:endParaRPr lang="en-US" spc="-50" dirty="0" smtClean="0">
+              <a:gradFill>
+                <a:gsLst>
+                  <a:gs pos="0">
+                    <a:srgbClr val="FFFFFF"/>
+                  </a:gs>
+                  <a:gs pos="100000">
+                    <a:srgbClr val="FFFFFF"/>
+                  </a:gs>
+                </a:gsLst>
+                <a:lin ang="5400000" scaled="0"/>
+              </a:gradFill>
+              <a:latin typeface="Segoe UI" pitchFamily="34" charset="0"/>
+              <a:ea typeface="Segoe UI" pitchFamily="34" charset="0"/>
+              <a:cs typeface="Segoe UI" pitchFamily="34" charset="0"/>
+            </a:endParaRPr>
+          </a:p>
+        </p:txBody>
+      </p:sp>
+      <p:sp>
+        <p:nvSpPr>
+          <p:cNvPr id="6" name="Rounded Rectangle 5"/>
+          <p:cNvSpPr/>
+          <p:nvPr/>
+        </p:nvSpPr>
+        <p:spPr bwMode="auto">
+          <a:xfrm>
+            <a:off x="3013359" y="2907948"/>
+            <a:ext cx="1462157" cy="551935"/>
+          </a:xfrm>
+          <a:prstGeom prst="roundRect">
+            <a:avLst/>
+          </a:prstGeom>
+          <a:solidFill>
+            <a:schemeClr val="accent6"/>
+          </a:solidFill>
+          <a:ln>
+            <a:noFill/>
+            <a:headEnd type="none" w="med" len="med"/>
+            <a:tailEnd type="none" w="med" len="med"/>
+          </a:ln>
+          <a:effectLst/>
+        </p:spPr>
+        <p:style>
+          <a:lnRef idx="1">
+            <a:schemeClr val="accent2"/>
+          </a:lnRef>
+          <a:fillRef idx="3">
+            <a:schemeClr val="accent2"/>
+          </a:fillRef>
+          <a:effectRef idx="2">
+            <a:schemeClr val="accent2"/>
+          </a:effectRef>
+          <a:fontRef idx="minor">
+            <a:schemeClr val="lt1"/>
+          </a:fontRef>
+        </p:style>
+        <p:txBody>
+          <a:bodyPr rot="0" spcFirstLastPara="0" vertOverflow="overflow" horzOverflow="overflow" vert="horz" wrap="square" lIns="91440" tIns="45720" rIns="45720" bIns="91440" numCol="1" spcCol="0" rtlCol="0" fromWordArt="0" anchor="b" anchorCtr="0" forceAA="0" compatLnSpc="1">
+            <a:prstTxWarp prst="textNoShape">
+              <a:avLst/>
+            </a:prstTxWarp>
+            <a:noAutofit/>
+          </a:bodyPr>
+          <a:lstStyle/>
+          <a:p>
+            <a:pPr algn="ctr" defTabSz="914099" fontAlgn="base">
+              <a:spcBef>
+                <a:spcPct val="0"/>
+              </a:spcBef>
+              <a:spcAft>
+                <a:spcPct val="0"/>
+              </a:spcAft>
+            </a:pPr>
+            <a:r>
+              <a:rPr lang="en-US" spc="-50" dirty="0" smtClean="0">
+                <a:gradFill>
+                  <a:gsLst>
+                    <a:gs pos="0">
+                      <a:srgbClr val="FFFFFF"/>
+                    </a:gs>
+                    <a:gs pos="100000">
+                      <a:srgbClr val="FFFFFF"/>
+                    </a:gs>
+                  </a:gsLst>
+                  <a:lin ang="5400000" scaled="0"/>
+                </a:gradFill>
+                <a:latin typeface="Segoe UI" pitchFamily="34" charset="0"/>
+                <a:ea typeface="Segoe UI" pitchFamily="34" charset="0"/>
+                <a:cs typeface="Segoe UI" pitchFamily="34" charset="0"/>
+              </a:rPr>
+              <a:t>ECMASCRIPT</a:t>
+            </a:r>
+            <a:endParaRPr lang="en-US" spc="-50" dirty="0" smtClean="0">
+              <a:gradFill>
+                <a:gsLst>
+                  <a:gs pos="0">
+                    <a:srgbClr val="FFFFFF"/>
+                  </a:gs>
+                  <a:gs pos="100000">
+                    <a:srgbClr val="FFFFFF"/>
+                  </a:gs>
+                </a:gsLst>
+                <a:lin ang="5400000" scaled="0"/>
+              </a:gradFill>
+              <a:latin typeface="Segoe UI" pitchFamily="34" charset="0"/>
+              <a:ea typeface="Segoe UI" pitchFamily="34" charset="0"/>
+              <a:cs typeface="Segoe UI" pitchFamily="34" charset="0"/>
+            </a:endParaRPr>
+          </a:p>
+        </p:txBody>
+      </p:sp>
+      <p:sp>
+        <p:nvSpPr>
+          <p:cNvPr id="7" name="Rounded Rectangle 6"/>
+          <p:cNvSpPr/>
+          <p:nvPr/>
+        </p:nvSpPr>
+        <p:spPr bwMode="auto">
+          <a:xfrm>
+            <a:off x="4593891" y="2907949"/>
+            <a:ext cx="963827" cy="551935"/>
+          </a:xfrm>
+          <a:prstGeom prst="roundRect">
+            <a:avLst/>
+          </a:prstGeom>
+          <a:solidFill>
+            <a:schemeClr val="accent6"/>
+          </a:solidFill>
+          <a:ln>
+            <a:noFill/>
+            <a:headEnd type="none" w="med" len="med"/>
+            <a:tailEnd type="none" w="med" len="med"/>
+          </a:ln>
+          <a:effectLst/>
+        </p:spPr>
+        <p:style>
+          <a:lnRef idx="1">
+            <a:schemeClr val="accent2"/>
+          </a:lnRef>
+          <a:fillRef idx="3">
+            <a:schemeClr val="accent2"/>
+          </a:fillRef>
+          <a:effectRef idx="2">
+            <a:schemeClr val="accent2"/>
+          </a:effectRef>
+          <a:fontRef idx="minor">
+            <a:schemeClr val="lt1"/>
+          </a:fontRef>
+        </p:style>
+        <p:txBody>
+          <a:bodyPr rot="0" spcFirstLastPara="0" vertOverflow="overflow" horzOverflow="overflow" vert="horz" wrap="square" lIns="91440" tIns="45720" rIns="45720" bIns="91440" numCol="1" spcCol="0" rtlCol="0" fromWordArt="0" anchor="b" anchorCtr="0" forceAA="0" compatLnSpc="1">
+            <a:prstTxWarp prst="textNoShape">
+              <a:avLst/>
+            </a:prstTxWarp>
+            <a:noAutofit/>
+          </a:bodyPr>
+          <a:lstStyle/>
+          <a:p>
+            <a:pPr algn="ctr" defTabSz="914099" fontAlgn="base">
+              <a:spcBef>
+                <a:spcPct val="0"/>
+              </a:spcBef>
+              <a:spcAft>
+                <a:spcPct val="0"/>
+              </a:spcAft>
+            </a:pPr>
+            <a:r>
+              <a:rPr lang="en-US" spc="-50" dirty="0" smtClean="0">
+                <a:gradFill>
+                  <a:gsLst>
+                    <a:gs pos="0">
+                      <a:srgbClr val="FFFFFF"/>
+                    </a:gs>
+                    <a:gs pos="100000">
+                      <a:srgbClr val="FFFFFF"/>
+                    </a:gs>
+                  </a:gsLst>
+                  <a:lin ang="5400000" scaled="0"/>
+                </a:gradFill>
+                <a:latin typeface="Segoe UI" pitchFamily="34" charset="0"/>
+                <a:ea typeface="Segoe UI" pitchFamily="34" charset="0"/>
+                <a:cs typeface="Segoe UI" pitchFamily="34" charset="0"/>
+              </a:rPr>
+              <a:t>FS</a:t>
+            </a:r>
+            <a:endParaRPr lang="en-US" spc="-50" dirty="0" smtClean="0">
+              <a:gradFill>
+                <a:gsLst>
+                  <a:gs pos="0">
+                    <a:srgbClr val="FFFFFF"/>
+                  </a:gs>
+                  <a:gs pos="100000">
+                    <a:srgbClr val="FFFFFF"/>
+                  </a:gs>
+                </a:gsLst>
+                <a:lin ang="5400000" scaled="0"/>
+              </a:gradFill>
+              <a:latin typeface="Segoe UI" pitchFamily="34" charset="0"/>
+              <a:ea typeface="Segoe UI" pitchFamily="34" charset="0"/>
+              <a:cs typeface="Segoe UI" pitchFamily="34" charset="0"/>
+            </a:endParaRPr>
+          </a:p>
+        </p:txBody>
+      </p:sp>
+      <p:sp>
+        <p:nvSpPr>
+          <p:cNvPr id="8" name="Rounded Rectangle 7"/>
+          <p:cNvSpPr/>
+          <p:nvPr/>
+        </p:nvSpPr>
+        <p:spPr bwMode="auto">
+          <a:xfrm>
+            <a:off x="5811871" y="2907949"/>
+            <a:ext cx="963827" cy="551935"/>
+          </a:xfrm>
+          <a:prstGeom prst="roundRect">
+            <a:avLst/>
+          </a:prstGeom>
+          <a:solidFill>
+            <a:schemeClr val="accent6"/>
+          </a:solidFill>
+          <a:ln>
+            <a:noFill/>
+            <a:headEnd type="none" w="med" len="med"/>
+            <a:tailEnd type="none" w="med" len="med"/>
+          </a:ln>
+          <a:effectLst/>
+        </p:spPr>
+        <p:style>
+          <a:lnRef idx="1">
+            <a:schemeClr val="accent2"/>
+          </a:lnRef>
+          <a:fillRef idx="3">
+            <a:schemeClr val="accent2"/>
+          </a:fillRef>
+          <a:effectRef idx="2">
+            <a:schemeClr val="accent2"/>
+          </a:effectRef>
+          <a:fontRef idx="minor">
+            <a:schemeClr val="lt1"/>
+          </a:fontRef>
+        </p:style>
+        <p:txBody>
+          <a:bodyPr rot="0" spcFirstLastPara="0" vertOverflow="overflow" horzOverflow="overflow" vert="horz" wrap="square" lIns="91440" tIns="45720" rIns="45720" bIns="91440" numCol="1" spcCol="0" rtlCol="0" fromWordArt="0" anchor="b" anchorCtr="0" forceAA="0" compatLnSpc="1">
+            <a:prstTxWarp prst="textNoShape">
+              <a:avLst/>
+            </a:prstTxWarp>
+            <a:noAutofit/>
+          </a:bodyPr>
+          <a:lstStyle/>
+          <a:p>
+            <a:pPr algn="ctr" defTabSz="914099" fontAlgn="base">
+              <a:spcBef>
+                <a:spcPct val="0"/>
+              </a:spcBef>
+              <a:spcAft>
+                <a:spcPct val="0"/>
+              </a:spcAft>
+            </a:pPr>
+            <a:r>
+              <a:rPr lang="en-US" spc="-50" dirty="0" smtClean="0">
+                <a:gradFill>
+                  <a:gsLst>
+                    <a:gs pos="0">
+                      <a:srgbClr val="FFFFFF"/>
+                    </a:gs>
+                    <a:gs pos="100000">
+                      <a:srgbClr val="FFFFFF"/>
+                    </a:gs>
+                  </a:gsLst>
+                  <a:lin ang="5400000" scaled="0"/>
+                </a:gradFill>
+                <a:latin typeface="Segoe UI" pitchFamily="34" charset="0"/>
+                <a:ea typeface="Segoe UI" pitchFamily="34" charset="0"/>
+                <a:cs typeface="Segoe UI" pitchFamily="34" charset="0"/>
+              </a:rPr>
+              <a:t>TCP</a:t>
+            </a:r>
+            <a:endParaRPr lang="en-US" spc="-50" dirty="0" smtClean="0">
+              <a:gradFill>
+                <a:gsLst>
+                  <a:gs pos="0">
+                    <a:srgbClr val="FFFFFF"/>
+                  </a:gs>
+                  <a:gs pos="100000">
+                    <a:srgbClr val="FFFFFF"/>
+                  </a:gs>
+                </a:gsLst>
+                <a:lin ang="5400000" scaled="0"/>
+              </a:gradFill>
+              <a:latin typeface="Segoe UI" pitchFamily="34" charset="0"/>
+              <a:ea typeface="Segoe UI" pitchFamily="34" charset="0"/>
+              <a:cs typeface="Segoe UI" pitchFamily="34" charset="0"/>
+            </a:endParaRPr>
+          </a:p>
+        </p:txBody>
+      </p:sp>
+      <p:sp>
+        <p:nvSpPr>
+          <p:cNvPr id="9" name="Rounded Rectangle 8"/>
+          <p:cNvSpPr/>
+          <p:nvPr/>
+        </p:nvSpPr>
+        <p:spPr bwMode="auto">
+          <a:xfrm>
+            <a:off x="8256693" y="2907949"/>
+            <a:ext cx="963827" cy="551935"/>
+          </a:xfrm>
+          <a:prstGeom prst="roundRect">
+            <a:avLst/>
+          </a:prstGeom>
+          <a:solidFill>
+            <a:schemeClr val="accent6"/>
+          </a:solidFill>
+          <a:ln>
+            <a:noFill/>
+            <a:headEnd type="none" w="med" len="med"/>
+            <a:tailEnd type="none" w="med" len="med"/>
+          </a:ln>
+          <a:effectLst/>
+        </p:spPr>
+        <p:style>
+          <a:lnRef idx="1">
+            <a:schemeClr val="accent2"/>
+          </a:lnRef>
+          <a:fillRef idx="3">
+            <a:schemeClr val="accent2"/>
+          </a:fillRef>
+          <a:effectRef idx="2">
+            <a:schemeClr val="accent2"/>
+          </a:effectRef>
+          <a:fontRef idx="minor">
+            <a:schemeClr val="lt1"/>
+          </a:fontRef>
+        </p:style>
+        <p:txBody>
+          <a:bodyPr rot="0" spcFirstLastPara="0" vertOverflow="overflow" horzOverflow="overflow" vert="horz" wrap="square" lIns="91440" tIns="45720" rIns="45720" bIns="91440" numCol="1" spcCol="0" rtlCol="0" fromWordArt="0" anchor="b" anchorCtr="0" forceAA="0" compatLnSpc="1">
+            <a:prstTxWarp prst="textNoShape">
+              <a:avLst/>
+            </a:prstTxWarp>
+            <a:noAutofit/>
+          </a:bodyPr>
+          <a:lstStyle/>
+          <a:p>
+            <a:pPr algn="ctr" defTabSz="914099" fontAlgn="base">
+              <a:spcBef>
+                <a:spcPct val="0"/>
+              </a:spcBef>
+              <a:spcAft>
+                <a:spcPct val="0"/>
+              </a:spcAft>
+            </a:pPr>
+            <a:r>
+              <a:rPr lang="en-US" spc="-50" dirty="0" smtClean="0">
+                <a:gradFill>
+                  <a:gsLst>
+                    <a:gs pos="0">
+                      <a:srgbClr val="FFFFFF"/>
+                    </a:gs>
+                    <a:gs pos="100000">
+                      <a:srgbClr val="FFFFFF"/>
+                    </a:gs>
+                  </a:gsLst>
+                  <a:lin ang="5400000" scaled="0"/>
+                </a:gradFill>
+                <a:latin typeface="Segoe UI" pitchFamily="34" charset="0"/>
+                <a:ea typeface="Segoe UI" pitchFamily="34" charset="0"/>
+                <a:cs typeface="Segoe UI" pitchFamily="34" charset="0"/>
+              </a:rPr>
+              <a:t>Buffer</a:t>
+            </a:r>
+            <a:endParaRPr lang="en-US" spc="-50" dirty="0" smtClean="0">
+              <a:gradFill>
+                <a:gsLst>
+                  <a:gs pos="0">
+                    <a:srgbClr val="FFFFFF"/>
+                  </a:gs>
+                  <a:gs pos="100000">
+                    <a:srgbClr val="FFFFFF"/>
+                  </a:gs>
+                </a:gsLst>
+                <a:lin ang="5400000" scaled="0"/>
+              </a:gradFill>
+              <a:latin typeface="Segoe UI" pitchFamily="34" charset="0"/>
+              <a:ea typeface="Segoe UI" pitchFamily="34" charset="0"/>
+              <a:cs typeface="Segoe UI" pitchFamily="34" charset="0"/>
+            </a:endParaRPr>
+          </a:p>
+        </p:txBody>
+      </p:sp>
+      <p:sp>
+        <p:nvSpPr>
+          <p:cNvPr id="10" name="Rounded Rectangle 9"/>
+          <p:cNvSpPr/>
+          <p:nvPr/>
+        </p:nvSpPr>
+        <p:spPr bwMode="auto">
+          <a:xfrm>
+            <a:off x="9525402" y="2907956"/>
+            <a:ext cx="963827" cy="551935"/>
+          </a:xfrm>
+          <a:prstGeom prst="roundRect">
+            <a:avLst/>
+          </a:prstGeom>
+          <a:solidFill>
+            <a:schemeClr val="accent6"/>
+          </a:solidFill>
+          <a:ln>
+            <a:noFill/>
+            <a:headEnd type="none" w="med" len="med"/>
+            <a:tailEnd type="none" w="med" len="med"/>
+          </a:ln>
+          <a:effectLst/>
+        </p:spPr>
+        <p:style>
+          <a:lnRef idx="1">
+            <a:schemeClr val="accent2"/>
+          </a:lnRef>
+          <a:fillRef idx="3">
+            <a:schemeClr val="accent2"/>
+          </a:fillRef>
+          <a:effectRef idx="2">
+            <a:schemeClr val="accent2"/>
+          </a:effectRef>
+          <a:fontRef idx="minor">
+            <a:schemeClr val="lt1"/>
+          </a:fontRef>
+        </p:style>
+        <p:txBody>
+          <a:bodyPr rot="0" spcFirstLastPara="0" vertOverflow="overflow" horzOverflow="overflow" vert="horz" wrap="square" lIns="91440" tIns="45720" rIns="45720" bIns="91440" numCol="1" spcCol="0" rtlCol="0" fromWordArt="0" anchor="b" anchorCtr="0" forceAA="0" compatLnSpc="1">
+            <a:prstTxWarp prst="textNoShape">
+              <a:avLst/>
+            </a:prstTxWarp>
+            <a:noAutofit/>
+          </a:bodyPr>
+          <a:lstStyle/>
+          <a:p>
+            <a:pPr algn="ctr" defTabSz="914099" fontAlgn="base">
+              <a:spcBef>
+                <a:spcPct val="0"/>
+              </a:spcBef>
+              <a:spcAft>
+                <a:spcPct val="0"/>
+              </a:spcAft>
+            </a:pPr>
+            <a:r>
+              <a:rPr lang="en-US" spc="-50" dirty="0" smtClean="0">
+                <a:gradFill>
+                  <a:gsLst>
+                    <a:gs pos="0">
+                      <a:srgbClr val="FFFFFF"/>
+                    </a:gs>
+                    <a:gs pos="100000">
+                      <a:srgbClr val="FFFFFF"/>
+                    </a:gs>
+                  </a:gsLst>
+                  <a:lin ang="5400000" scaled="0"/>
+                </a:gradFill>
+                <a:latin typeface="Segoe UI" pitchFamily="34" charset="0"/>
+                <a:ea typeface="Segoe UI" pitchFamily="34" charset="0"/>
+                <a:cs typeface="Segoe UI" pitchFamily="34" charset="0"/>
+              </a:rPr>
+              <a:t>….</a:t>
+            </a:r>
+            <a:endParaRPr lang="en-US" spc="-50" dirty="0" smtClean="0">
+              <a:gradFill>
+                <a:gsLst>
+                  <a:gs pos="0">
+                    <a:srgbClr val="FFFFFF"/>
+                  </a:gs>
+                  <a:gs pos="100000">
+                    <a:srgbClr val="FFFFFF"/>
+                  </a:gs>
+                </a:gsLst>
+                <a:lin ang="5400000" scaled="0"/>
+              </a:gradFill>
+              <a:latin typeface="Segoe UI" pitchFamily="34" charset="0"/>
+              <a:ea typeface="Segoe UI" pitchFamily="34" charset="0"/>
+              <a:cs typeface="Segoe UI" pitchFamily="34" charset="0"/>
+            </a:endParaRPr>
+          </a:p>
+        </p:txBody>
+      </p:sp>
+      <p:cxnSp>
+        <p:nvCxnSpPr>
+          <p:cNvPr id="13" name="Straight Arrow Connector 12"/>
+          <p:cNvCxnSpPr/>
+          <p:nvPr/>
+        </p:nvCxnSpPr>
+        <p:spPr>
+          <a:xfrm flipV="1">
+            <a:off x="311376" y="2446638"/>
+            <a:ext cx="4045766" cy="41189"/>
+          </a:xfrm>
+          <a:prstGeom prst="straightConnector1">
+            <a:avLst/>
+          </a:prstGeom>
+          <a:ln>
+            <a:headEnd type="triangle"/>
+            <a:tailEnd type="triangle"/>
+          </a:ln>
+        </p:spPr>
+        <p:style>
+          <a:lnRef idx="1">
+            <a:schemeClr val="accent1"/>
+          </a:lnRef>
+          <a:fillRef idx="0">
+            <a:schemeClr val="accent1"/>
+          </a:fillRef>
+          <a:effectRef idx="0">
+            <a:schemeClr val="accent1"/>
+          </a:effectRef>
+          <a:fontRef idx="minor">
+            <a:schemeClr val="tx1"/>
+          </a:fontRef>
+        </p:style>
+      </p:cxnSp>
+      <p:cxnSp>
+        <p:nvCxnSpPr>
+          <p:cNvPr id="15" name="Straight Arrow Connector 14"/>
+          <p:cNvCxnSpPr/>
+          <p:nvPr/>
+        </p:nvCxnSpPr>
+        <p:spPr>
+          <a:xfrm flipV="1">
+            <a:off x="4692840" y="2446638"/>
+            <a:ext cx="5711549" cy="1"/>
+          </a:xfrm>
+          <a:prstGeom prst="straightConnector1">
+            <a:avLst/>
+          </a:prstGeom>
+          <a:ln>
+            <a:headEnd type="triangle"/>
+            <a:tailEnd type="triangle"/>
+          </a:ln>
+        </p:spPr>
+        <p:style>
+          <a:lnRef idx="1">
+            <a:schemeClr val="accent1"/>
+          </a:lnRef>
+          <a:fillRef idx="0">
+            <a:schemeClr val="accent1"/>
+          </a:fillRef>
+          <a:effectRef idx="0">
+            <a:schemeClr val="accent1"/>
+          </a:effectRef>
+          <a:fontRef idx="minor">
+            <a:schemeClr val="tx1"/>
+          </a:fontRef>
+        </p:style>
+      </p:cxnSp>
+      <p:cxnSp>
+        <p:nvCxnSpPr>
+          <p:cNvPr id="16" name="Straight Arrow Connector 15"/>
+          <p:cNvCxnSpPr/>
+          <p:nvPr/>
+        </p:nvCxnSpPr>
+        <p:spPr>
+          <a:xfrm flipV="1">
+            <a:off x="311376" y="3888231"/>
+            <a:ext cx="2464775" cy="32961"/>
+          </a:xfrm>
+          <a:prstGeom prst="straightConnector1">
+            <a:avLst/>
+          </a:prstGeom>
+          <a:ln>
+            <a:headEnd type="triangle"/>
+            <a:tailEnd type="triangle"/>
+          </a:ln>
+        </p:spPr>
+        <p:style>
+          <a:lnRef idx="1">
+            <a:schemeClr val="accent1"/>
+          </a:lnRef>
+          <a:fillRef idx="0">
+            <a:schemeClr val="accent1"/>
+          </a:fillRef>
+          <a:effectRef idx="0">
+            <a:schemeClr val="accent1"/>
+          </a:effectRef>
+          <a:fontRef idx="minor">
+            <a:schemeClr val="tx1"/>
+          </a:fontRef>
+        </p:style>
+      </p:cxnSp>
+      <p:cxnSp>
+        <p:nvCxnSpPr>
+          <p:cNvPr id="17" name="Straight Arrow Connector 16"/>
+          <p:cNvCxnSpPr/>
+          <p:nvPr/>
+        </p:nvCxnSpPr>
+        <p:spPr>
+          <a:xfrm flipV="1">
+            <a:off x="3113903" y="3814119"/>
+            <a:ext cx="7375326" cy="74112"/>
+          </a:xfrm>
+          <a:prstGeom prst="straightConnector1">
+            <a:avLst/>
+          </a:prstGeom>
+          <a:ln>
+            <a:headEnd type="triangle"/>
+            <a:tailEnd type="triangle"/>
+          </a:ln>
+        </p:spPr>
+        <p:style>
+          <a:lnRef idx="1">
+            <a:schemeClr val="accent1"/>
+          </a:lnRef>
+          <a:fillRef idx="0">
+            <a:schemeClr val="accent1"/>
+          </a:fillRef>
+          <a:effectRef idx="0">
+            <a:schemeClr val="accent1"/>
+          </a:effectRef>
+          <a:fontRef idx="minor">
+            <a:schemeClr val="tx1"/>
+          </a:fontRef>
+        </p:style>
+      </p:cxnSp>
+      <p:sp>
+        <p:nvSpPr>
+          <p:cNvPr id="26" name="Vertical Scroll 25"/>
+          <p:cNvSpPr/>
+          <p:nvPr/>
+        </p:nvSpPr>
+        <p:spPr bwMode="auto">
+          <a:xfrm>
+            <a:off x="738716" y="1839079"/>
+            <a:ext cx="1680519" cy="527221"/>
+          </a:xfrm>
+          <a:prstGeom prst="verticalScroll">
+            <a:avLst/>
+          </a:prstGeom>
+          <a:solidFill>
+            <a:schemeClr val="accent6"/>
+          </a:solidFill>
+          <a:ln>
+            <a:noFill/>
+            <a:headEnd type="none" w="med" len="med"/>
+            <a:tailEnd type="none" w="med" len="med"/>
+          </a:ln>
+          <a:effectLst/>
+        </p:spPr>
+        <p:style>
+          <a:lnRef idx="1">
+            <a:schemeClr val="accent2"/>
+          </a:lnRef>
+          <a:fillRef idx="3">
+            <a:schemeClr val="accent2"/>
+          </a:fillRef>
+          <a:effectRef idx="2">
+            <a:schemeClr val="accent2"/>
+          </a:effectRef>
+          <a:fontRef idx="minor">
+            <a:schemeClr val="lt1"/>
+          </a:fontRef>
+        </p:style>
+        <p:txBody>
+          <a:bodyPr rot="0" spcFirstLastPara="0" vertOverflow="overflow" horzOverflow="overflow" vert="horz" wrap="square" lIns="91440" tIns="45720" rIns="45720" bIns="91440" numCol="1" spcCol="0" rtlCol="0" fromWordArt="0" anchor="b" anchorCtr="0" forceAA="0" compatLnSpc="1">
+            <a:prstTxWarp prst="textNoShape">
+              <a:avLst/>
+            </a:prstTxWarp>
+            <a:noAutofit/>
+          </a:bodyPr>
+          <a:lstStyle/>
+          <a:p>
+            <a:pPr algn="ctr" defTabSz="914099" fontAlgn="base">
+              <a:spcBef>
+                <a:spcPct val="0"/>
+              </a:spcBef>
+              <a:spcAft>
+                <a:spcPct val="0"/>
+              </a:spcAft>
+            </a:pPr>
+            <a:r>
+              <a:rPr lang="zh-CN" altLang="en-US" spc="-50" dirty="0" smtClean="0">
+                <a:gradFill>
+                  <a:gsLst>
+                    <a:gs pos="0">
+                      <a:srgbClr val="FFFFFF"/>
+                    </a:gs>
+                    <a:gs pos="100000">
+                      <a:srgbClr val="FFFFFF"/>
+                    </a:gs>
+                  </a:gsLst>
+                  <a:lin ang="5400000" scaled="0"/>
+                </a:gradFill>
+                <a:latin typeface="Segoe UI" pitchFamily="34" charset="0"/>
+                <a:ea typeface="Segoe UI" pitchFamily="34" charset="0"/>
+                <a:cs typeface="Segoe UI" pitchFamily="34" charset="0"/>
+              </a:rPr>
+              <a:t>浏览器</a:t>
+            </a:r>
+            <a:endParaRPr lang="en-US" spc="-50" dirty="0" err="1" smtClean="0">
+              <a:gradFill>
+                <a:gsLst>
+                  <a:gs pos="0">
+                    <a:srgbClr val="FFFFFF"/>
+                  </a:gs>
+                  <a:gs pos="100000">
+                    <a:srgbClr val="FFFFFF"/>
+                  </a:gs>
+                </a:gsLst>
+                <a:lin ang="5400000" scaled="0"/>
+              </a:gradFill>
+              <a:latin typeface="Segoe UI" pitchFamily="34" charset="0"/>
+              <a:ea typeface="Segoe UI" pitchFamily="34" charset="0"/>
+              <a:cs typeface="Segoe UI" pitchFamily="34" charset="0"/>
+            </a:endParaRPr>
+          </a:p>
+        </p:txBody>
+      </p:sp>
+      <p:sp>
+        <p:nvSpPr>
+          <p:cNvPr id="27" name="Vertical Scroll 26"/>
+          <p:cNvSpPr/>
+          <p:nvPr/>
+        </p:nvSpPr>
+        <p:spPr bwMode="auto">
+          <a:xfrm>
+            <a:off x="6812897" y="1742299"/>
+            <a:ext cx="1680519" cy="527221"/>
+          </a:xfrm>
+          <a:prstGeom prst="verticalScroll">
+            <a:avLst/>
+          </a:prstGeom>
+          <a:solidFill>
+            <a:schemeClr val="accent6"/>
+          </a:solidFill>
+          <a:ln>
+            <a:noFill/>
+            <a:headEnd type="none" w="med" len="med"/>
+            <a:tailEnd type="none" w="med" len="med"/>
+          </a:ln>
+          <a:effectLst/>
+        </p:spPr>
+        <p:style>
+          <a:lnRef idx="1">
+            <a:schemeClr val="accent2"/>
+          </a:lnRef>
+          <a:fillRef idx="3">
+            <a:schemeClr val="accent2"/>
+          </a:fillRef>
+          <a:effectRef idx="2">
+            <a:schemeClr val="accent2"/>
+          </a:effectRef>
+          <a:fontRef idx="minor">
+            <a:schemeClr val="lt1"/>
+          </a:fontRef>
+        </p:style>
+        <p:txBody>
+          <a:bodyPr rot="0" spcFirstLastPara="0" vertOverflow="overflow" horzOverflow="overflow" vert="horz" wrap="square" lIns="91440" tIns="45720" rIns="45720" bIns="91440" numCol="1" spcCol="0" rtlCol="0" fromWordArt="0" anchor="b" anchorCtr="0" forceAA="0" compatLnSpc="1">
+            <a:prstTxWarp prst="textNoShape">
+              <a:avLst/>
+            </a:prstTxWarp>
+            <a:noAutofit/>
+          </a:bodyPr>
+          <a:lstStyle/>
+          <a:p>
+            <a:pPr algn="ctr" defTabSz="914099" fontAlgn="base">
+              <a:spcBef>
+                <a:spcPct val="0"/>
+              </a:spcBef>
+              <a:spcAft>
+                <a:spcPct val="0"/>
+              </a:spcAft>
+            </a:pPr>
+            <a:r>
+              <a:rPr lang="en-US" altLang="zh-CN" spc="-50" dirty="0" err="1">
+                <a:gradFill>
+                  <a:gsLst>
+                    <a:gs pos="0">
+                      <a:srgbClr val="FFFFFF"/>
+                    </a:gs>
+                    <a:gs pos="100000">
+                      <a:srgbClr val="FFFFFF"/>
+                    </a:gs>
+                  </a:gsLst>
+                  <a:lin ang="5400000" scaled="0"/>
+                </a:gradFill>
+                <a:latin typeface="Segoe UI" pitchFamily="34" charset="0"/>
+                <a:ea typeface="Segoe UI" pitchFamily="34" charset="0"/>
+                <a:cs typeface="Segoe UI" pitchFamily="34" charset="0"/>
+              </a:rPr>
+              <a:t>CommonJS</a:t>
+            </a:r>
+            <a:endParaRPr lang="en-US" spc="-50" dirty="0" smtClean="0">
+              <a:gradFill>
+                <a:gsLst>
+                  <a:gs pos="0">
+                    <a:srgbClr val="FFFFFF"/>
+                  </a:gs>
+                  <a:gs pos="100000">
+                    <a:srgbClr val="FFFFFF"/>
+                  </a:gs>
+                </a:gsLst>
+                <a:lin ang="5400000" scaled="0"/>
+              </a:gradFill>
+              <a:latin typeface="Segoe UI" pitchFamily="34" charset="0"/>
+              <a:ea typeface="Segoe UI" pitchFamily="34" charset="0"/>
+              <a:cs typeface="Segoe UI" pitchFamily="34" charset="0"/>
+            </a:endParaRPr>
+          </a:p>
+        </p:txBody>
+      </p:sp>
+      <p:sp>
+        <p:nvSpPr>
+          <p:cNvPr id="28" name="Vertical Scroll 27"/>
+          <p:cNvSpPr/>
+          <p:nvPr/>
+        </p:nvSpPr>
+        <p:spPr bwMode="auto">
+          <a:xfrm>
+            <a:off x="738717" y="4477265"/>
+            <a:ext cx="1680519" cy="527221"/>
+          </a:xfrm>
+          <a:prstGeom prst="verticalScroll">
+            <a:avLst/>
+          </a:prstGeom>
+          <a:solidFill>
+            <a:schemeClr val="accent6"/>
+          </a:solidFill>
+          <a:ln>
+            <a:noFill/>
+            <a:headEnd type="none" w="med" len="med"/>
+            <a:tailEnd type="none" w="med" len="med"/>
+          </a:ln>
+          <a:effectLst/>
+        </p:spPr>
+        <p:style>
+          <a:lnRef idx="1">
+            <a:schemeClr val="accent2"/>
+          </a:lnRef>
+          <a:fillRef idx="3">
+            <a:schemeClr val="accent2"/>
+          </a:fillRef>
+          <a:effectRef idx="2">
+            <a:schemeClr val="accent2"/>
+          </a:effectRef>
+          <a:fontRef idx="minor">
+            <a:schemeClr val="lt1"/>
+          </a:fontRef>
+        </p:style>
+        <p:txBody>
+          <a:bodyPr rot="0" spcFirstLastPara="0" vertOverflow="overflow" horzOverflow="overflow" vert="horz" wrap="square" lIns="91440" tIns="45720" rIns="45720" bIns="91440" numCol="1" spcCol="0" rtlCol="0" fromWordArt="0" anchor="b" anchorCtr="0" forceAA="0" compatLnSpc="1">
+            <a:prstTxWarp prst="textNoShape">
+              <a:avLst/>
+            </a:prstTxWarp>
+            <a:noAutofit/>
+          </a:bodyPr>
+          <a:lstStyle/>
+          <a:p>
+            <a:pPr algn="ctr" defTabSz="914099" fontAlgn="base">
+              <a:spcBef>
+                <a:spcPct val="0"/>
+              </a:spcBef>
+              <a:spcAft>
+                <a:spcPct val="0"/>
+              </a:spcAft>
+            </a:pPr>
+            <a:r>
+              <a:rPr lang="en-US" altLang="zh-CN" spc="-50" dirty="0" smtClean="0">
+                <a:gradFill>
+                  <a:gsLst>
+                    <a:gs pos="0">
+                      <a:srgbClr val="FFFFFF"/>
+                    </a:gs>
+                    <a:gs pos="100000">
+                      <a:srgbClr val="FFFFFF"/>
+                    </a:gs>
+                  </a:gsLst>
+                  <a:lin ang="5400000" scaled="0"/>
+                </a:gradFill>
+                <a:latin typeface="Segoe UI" pitchFamily="34" charset="0"/>
+                <a:ea typeface="Segoe UI" pitchFamily="34" charset="0"/>
+                <a:cs typeface="Segoe UI" pitchFamily="34" charset="0"/>
+              </a:rPr>
+              <a:t>W3C</a:t>
+            </a:r>
+            <a:endParaRPr lang="en-US" spc="-50" dirty="0" smtClean="0">
+              <a:gradFill>
+                <a:gsLst>
+                  <a:gs pos="0">
+                    <a:srgbClr val="FFFFFF"/>
+                  </a:gs>
+                  <a:gs pos="100000">
+                    <a:srgbClr val="FFFFFF"/>
+                  </a:gs>
+                </a:gsLst>
+                <a:lin ang="5400000" scaled="0"/>
+              </a:gradFill>
+              <a:latin typeface="Segoe UI" pitchFamily="34" charset="0"/>
+              <a:ea typeface="Segoe UI" pitchFamily="34" charset="0"/>
+              <a:cs typeface="Segoe UI" pitchFamily="34" charset="0"/>
+            </a:endParaRPr>
+          </a:p>
+        </p:txBody>
+      </p:sp>
+      <p:sp>
+        <p:nvSpPr>
+          <p:cNvPr id="29" name="Vertical Scroll 28"/>
+          <p:cNvSpPr/>
+          <p:nvPr/>
+        </p:nvSpPr>
+        <p:spPr bwMode="auto">
+          <a:xfrm>
+            <a:off x="6801566" y="4518445"/>
+            <a:ext cx="1680519" cy="527221"/>
+          </a:xfrm>
+          <a:prstGeom prst="verticalScroll">
+            <a:avLst/>
+          </a:prstGeom>
+          <a:solidFill>
+            <a:schemeClr val="accent6"/>
+          </a:solidFill>
+          <a:ln>
+            <a:noFill/>
+            <a:headEnd type="none" w="med" len="med"/>
+            <a:tailEnd type="none" w="med" len="med"/>
+          </a:ln>
+          <a:effectLst/>
+        </p:spPr>
+        <p:style>
+          <a:lnRef idx="1">
+            <a:schemeClr val="accent2"/>
+          </a:lnRef>
+          <a:fillRef idx="3">
+            <a:schemeClr val="accent2"/>
+          </a:fillRef>
+          <a:effectRef idx="2">
+            <a:schemeClr val="accent2"/>
+          </a:effectRef>
+          <a:fontRef idx="minor">
+            <a:schemeClr val="lt1"/>
+          </a:fontRef>
+        </p:style>
+        <p:txBody>
+          <a:bodyPr rot="0" spcFirstLastPara="0" vertOverflow="overflow" horzOverflow="overflow" vert="horz" wrap="square" lIns="91440" tIns="45720" rIns="45720" bIns="91440" numCol="1" spcCol="0" rtlCol="0" fromWordArt="0" anchor="b" anchorCtr="0" forceAA="0" compatLnSpc="1">
+            <a:prstTxWarp prst="textNoShape">
+              <a:avLst/>
+            </a:prstTxWarp>
+            <a:noAutofit/>
+          </a:bodyPr>
+          <a:lstStyle/>
+          <a:p>
+            <a:pPr algn="ctr" defTabSz="914099" fontAlgn="base">
+              <a:spcBef>
+                <a:spcPct val="0"/>
+              </a:spcBef>
+              <a:spcAft>
+                <a:spcPct val="0"/>
+              </a:spcAft>
+            </a:pPr>
+            <a:r>
+              <a:rPr lang="en-US" spc="-50" dirty="0" smtClean="0">
+                <a:gradFill>
+                  <a:gsLst>
+                    <a:gs pos="0">
+                      <a:srgbClr val="FFFFFF"/>
+                    </a:gs>
+                    <a:gs pos="100000">
+                      <a:srgbClr val="FFFFFF"/>
+                    </a:gs>
+                  </a:gsLst>
+                  <a:lin ang="5400000" scaled="0"/>
+                </a:gradFill>
+                <a:latin typeface="Segoe UI" pitchFamily="34" charset="0"/>
+                <a:ea typeface="Segoe UI" pitchFamily="34" charset="0"/>
+                <a:cs typeface="Segoe UI" pitchFamily="34" charset="0"/>
+              </a:rPr>
+              <a:t>NODE</a:t>
+            </a:r>
+            <a:endParaRPr lang="en-US" spc="-50" dirty="0" smtClean="0">
+              <a:gradFill>
+                <a:gsLst>
+                  <a:gs pos="0">
+                    <a:srgbClr val="FFFFFF"/>
+                  </a:gs>
+                  <a:gs pos="100000">
+                    <a:srgbClr val="FFFFFF"/>
+                  </a:gs>
+                </a:gsLst>
+                <a:lin ang="5400000" scaled="0"/>
+              </a:gradFill>
+              <a:latin typeface="Segoe UI" pitchFamily="34" charset="0"/>
+              <a:ea typeface="Segoe UI" pitchFamily="34" charset="0"/>
+              <a:cs typeface="Segoe UI" pitchFamily="34" charset="0"/>
+            </a:endParaRPr>
+          </a:p>
+        </p:txBody>
+      </p:sp>
+    </p:spTree>
+    <p:extLst>
+      <p:ext uri="{BB962C8B-B14F-4D97-AF65-F5344CB8AC3E}">
+        <p14:creationId xmlns:p14="http://schemas.microsoft.com/office/powerpoint/2010/main" val="1667082663"/>
+      </p:ext>
+    </p:extLst>
+  </p:cSld>
+  <p:clrMapOvr>
+    <a:masterClrMapping/>
+  </p:clrMapOvr>
+  <p:transition>
+    <p:fade/>
+  </p:transition>
 </p:sld>
 </file>
 
